--- a/Report/Global Hotels and Resorts Revenue Analysis - Cancellation Analysis.pptx
+++ b/Report/Global Hotels and Resorts Revenue Analysis - Cancellation Analysis.pptx
@@ -4,6 +4,9 @@
   <p:sldMasterIdLst>
     <p:sldMasterId id="2147483648" r:id="rId1"/>
   </p:sldMasterIdLst>
+  <p:notesMasterIdLst>
+    <p:notesMasterId r:id="rId23"/>
+  </p:notesMasterIdLst>
   <p:sldIdLst>
     <p:sldId id="256" r:id="rId2"/>
     <p:sldId id="271" r:id="rId3"/>
@@ -14,15 +17,18 @@
     <p:sldId id="267" r:id="rId8"/>
     <p:sldId id="270" r:id="rId9"/>
     <p:sldId id="276" r:id="rId10"/>
-    <p:sldId id="260" r:id="rId11"/>
-    <p:sldId id="269" r:id="rId12"/>
-    <p:sldId id="275" r:id="rId13"/>
-    <p:sldId id="274" r:id="rId14"/>
-    <p:sldId id="259" r:id="rId15"/>
-    <p:sldId id="273" r:id="rId16"/>
-    <p:sldId id="272" r:id="rId17"/>
-    <p:sldId id="277" r:id="rId18"/>
-    <p:sldId id="265" r:id="rId19"/>
+    <p:sldId id="279" r:id="rId11"/>
+    <p:sldId id="278" r:id="rId12"/>
+    <p:sldId id="280" r:id="rId13"/>
+    <p:sldId id="260" r:id="rId14"/>
+    <p:sldId id="269" r:id="rId15"/>
+    <p:sldId id="275" r:id="rId16"/>
+    <p:sldId id="274" r:id="rId17"/>
+    <p:sldId id="259" r:id="rId18"/>
+    <p:sldId id="273" r:id="rId19"/>
+    <p:sldId id="272" r:id="rId20"/>
+    <p:sldId id="277" r:id="rId21"/>
+    <p:sldId id="265" r:id="rId22"/>
   </p:sldIdLst>
   <p:sldSz cx="12192000" cy="6858000"/>
   <p:notesSz cx="6858000" cy="9144000"/>
@@ -127,6 +133,439 @@
     </p:ext>
   </p:extLst>
 </p:presentation>
+</file>
+
+<file path=ppt/notesMasters/notesMaster1.xml><?xml version="1.0" encoding="utf-8"?>
+<p:notesMaster xmlns:a="http://schemas.openxmlformats.org/drawingml/2006/main" xmlns:r="http://schemas.openxmlformats.org/officeDocument/2006/relationships" xmlns:p="http://schemas.openxmlformats.org/presentationml/2006/main">
+  <p:cSld>
+    <p:bg>
+      <p:bgRef idx="1001">
+        <a:schemeClr val="bg1"/>
+      </p:bgRef>
+    </p:bg>
+    <p:spTree>
+      <p:nvGrpSpPr>
+        <p:cNvPr id="1" name=""/>
+        <p:cNvGrpSpPr/>
+        <p:nvPr/>
+      </p:nvGrpSpPr>
+      <p:grpSpPr>
+        <a:xfrm>
+          <a:off x="0" y="0"/>
+          <a:ext cx="0" cy="0"/>
+          <a:chOff x="0" y="0"/>
+          <a:chExt cx="0" cy="0"/>
+        </a:xfrm>
+      </p:grpSpPr>
+      <p:sp>
+        <p:nvSpPr>
+          <p:cNvPr id="2" name="Header Placeholder 1"/>
+          <p:cNvSpPr>
+            <a:spLocks noGrp="1"/>
+          </p:cNvSpPr>
+          <p:nvPr>
+            <p:ph type="hdr" sz="quarter"/>
+          </p:nvPr>
+        </p:nvSpPr>
+        <p:spPr>
+          <a:xfrm>
+            <a:off x="0" y="0"/>
+            <a:ext cx="2971800" cy="458788"/>
+          </a:xfrm>
+          <a:prstGeom prst="rect">
+            <a:avLst/>
+          </a:prstGeom>
+        </p:spPr>
+        <p:txBody>
+          <a:bodyPr vert="horz" lIns="91440" tIns="45720" rIns="91440" bIns="45720" rtlCol="0"/>
+          <a:lstStyle>
+            <a:lvl1pPr algn="l">
+              <a:defRPr sz="1200"/>
+            </a:lvl1pPr>
+          </a:lstStyle>
+          <a:p>
+            <a:endParaRPr lang="en-US"/>
+          </a:p>
+        </p:txBody>
+      </p:sp>
+      <p:sp>
+        <p:nvSpPr>
+          <p:cNvPr id="3" name="Date Placeholder 2"/>
+          <p:cNvSpPr>
+            <a:spLocks noGrp="1"/>
+          </p:cNvSpPr>
+          <p:nvPr>
+            <p:ph type="dt" idx="1"/>
+          </p:nvPr>
+        </p:nvSpPr>
+        <p:spPr>
+          <a:xfrm>
+            <a:off x="3884613" y="0"/>
+            <a:ext cx="2971800" cy="458788"/>
+          </a:xfrm>
+          <a:prstGeom prst="rect">
+            <a:avLst/>
+          </a:prstGeom>
+        </p:spPr>
+        <p:txBody>
+          <a:bodyPr vert="horz" lIns="91440" tIns="45720" rIns="91440" bIns="45720" rtlCol="0"/>
+          <a:lstStyle>
+            <a:lvl1pPr algn="r">
+              <a:defRPr sz="1200"/>
+            </a:lvl1pPr>
+          </a:lstStyle>
+          <a:p>
+            <a:fld id="{C538133C-08E5-9D42-B4EB-37568A016D91}" type="datetimeFigureOut">
+              <a:rPr lang="en-US" smtClean="0"/>
+              <a:t>9/24/25</a:t>
+            </a:fld>
+            <a:endParaRPr lang="en-US"/>
+          </a:p>
+        </p:txBody>
+      </p:sp>
+      <p:sp>
+        <p:nvSpPr>
+          <p:cNvPr id="4" name="Slide Image Placeholder 3"/>
+          <p:cNvSpPr>
+            <a:spLocks noGrp="1" noRot="1" noChangeAspect="1"/>
+          </p:cNvSpPr>
+          <p:nvPr>
+            <p:ph type="sldImg" idx="2"/>
+          </p:nvPr>
+        </p:nvSpPr>
+        <p:spPr>
+          <a:xfrm>
+            <a:off x="685800" y="1143000"/>
+            <a:ext cx="5486400" cy="3086100"/>
+          </a:xfrm>
+          <a:prstGeom prst="rect">
+            <a:avLst/>
+          </a:prstGeom>
+          <a:noFill/>
+          <a:ln w="12700">
+            <a:solidFill>
+              <a:prstClr val="black"/>
+            </a:solidFill>
+          </a:ln>
+        </p:spPr>
+        <p:txBody>
+          <a:bodyPr vert="horz" lIns="91440" tIns="45720" rIns="91440" bIns="45720" rtlCol="0" anchor="ctr"/>
+          <a:lstStyle/>
+          <a:p>
+            <a:endParaRPr lang="en-US"/>
+          </a:p>
+        </p:txBody>
+      </p:sp>
+      <p:sp>
+        <p:nvSpPr>
+          <p:cNvPr id="5" name="Notes Placeholder 4"/>
+          <p:cNvSpPr>
+            <a:spLocks noGrp="1"/>
+          </p:cNvSpPr>
+          <p:nvPr>
+            <p:ph type="body" sz="quarter" idx="3"/>
+          </p:nvPr>
+        </p:nvSpPr>
+        <p:spPr>
+          <a:xfrm>
+            <a:off x="685800" y="4400550"/>
+            <a:ext cx="5486400" cy="3600450"/>
+          </a:xfrm>
+          <a:prstGeom prst="rect">
+            <a:avLst/>
+          </a:prstGeom>
+        </p:spPr>
+        <p:txBody>
+          <a:bodyPr vert="horz" lIns="91440" tIns="45720" rIns="91440" bIns="45720" rtlCol="0"/>
+          <a:lstStyle/>
+          <a:p>
+            <a:pPr lvl="0"/>
+            <a:r>
+              <a:rPr lang="en-US"/>
+              <a:t>Click to edit Master text styles</a:t>
+            </a:r>
+          </a:p>
+          <a:p>
+            <a:pPr lvl="1"/>
+            <a:r>
+              <a:rPr lang="en-US"/>
+              <a:t>Second level</a:t>
+            </a:r>
+          </a:p>
+          <a:p>
+            <a:pPr lvl="2"/>
+            <a:r>
+              <a:rPr lang="en-US"/>
+              <a:t>Third level</a:t>
+            </a:r>
+          </a:p>
+          <a:p>
+            <a:pPr lvl="3"/>
+            <a:r>
+              <a:rPr lang="en-US"/>
+              <a:t>Fourth level</a:t>
+            </a:r>
+          </a:p>
+          <a:p>
+            <a:pPr lvl="4"/>
+            <a:r>
+              <a:rPr lang="en-US"/>
+              <a:t>Fifth level</a:t>
+            </a:r>
+          </a:p>
+        </p:txBody>
+      </p:sp>
+      <p:sp>
+        <p:nvSpPr>
+          <p:cNvPr id="6" name="Footer Placeholder 5"/>
+          <p:cNvSpPr>
+            <a:spLocks noGrp="1"/>
+          </p:cNvSpPr>
+          <p:nvPr>
+            <p:ph type="ftr" sz="quarter" idx="4"/>
+          </p:nvPr>
+        </p:nvSpPr>
+        <p:spPr>
+          <a:xfrm>
+            <a:off x="0" y="8685213"/>
+            <a:ext cx="2971800" cy="458787"/>
+          </a:xfrm>
+          <a:prstGeom prst="rect">
+            <a:avLst/>
+          </a:prstGeom>
+        </p:spPr>
+        <p:txBody>
+          <a:bodyPr vert="horz" lIns="91440" tIns="45720" rIns="91440" bIns="45720" rtlCol="0" anchor="b"/>
+          <a:lstStyle>
+            <a:lvl1pPr algn="l">
+              <a:defRPr sz="1200"/>
+            </a:lvl1pPr>
+          </a:lstStyle>
+          <a:p>
+            <a:endParaRPr lang="en-US"/>
+          </a:p>
+        </p:txBody>
+      </p:sp>
+      <p:sp>
+        <p:nvSpPr>
+          <p:cNvPr id="7" name="Slide Number Placeholder 6"/>
+          <p:cNvSpPr>
+            <a:spLocks noGrp="1"/>
+          </p:cNvSpPr>
+          <p:nvPr>
+            <p:ph type="sldNum" sz="quarter" idx="5"/>
+          </p:nvPr>
+        </p:nvSpPr>
+        <p:spPr>
+          <a:xfrm>
+            <a:off x="3884613" y="8685213"/>
+            <a:ext cx="2971800" cy="458787"/>
+          </a:xfrm>
+          <a:prstGeom prst="rect">
+            <a:avLst/>
+          </a:prstGeom>
+        </p:spPr>
+        <p:txBody>
+          <a:bodyPr vert="horz" lIns="91440" tIns="45720" rIns="91440" bIns="45720" rtlCol="0" anchor="b"/>
+          <a:lstStyle>
+            <a:lvl1pPr algn="r">
+              <a:defRPr sz="1200"/>
+            </a:lvl1pPr>
+          </a:lstStyle>
+          <a:p>
+            <a:fld id="{6138C726-BAA9-6D46-90AB-FDF336FCAE18}" type="slidenum">
+              <a:rPr lang="en-US" smtClean="0"/>
+              <a:t>‹#›</a:t>
+            </a:fld>
+            <a:endParaRPr lang="en-US"/>
+          </a:p>
+        </p:txBody>
+      </p:sp>
+    </p:spTree>
+    <p:extLst>
+      <p:ext uri="{BB962C8B-B14F-4D97-AF65-F5344CB8AC3E}">
+        <p14:creationId xmlns:p14="http://schemas.microsoft.com/office/powerpoint/2010/main" val="3692549777"/>
+      </p:ext>
+    </p:extLst>
+  </p:cSld>
+  <p:clrMap bg1="lt1" tx1="dk1" bg2="lt2" tx2="dk2" accent1="accent1" accent2="accent2" accent3="accent3" accent4="accent4" accent5="accent5" accent6="accent6" hlink="hlink" folHlink="folHlink"/>
+  <p:notesStyle>
+    <a:lvl1pPr marL="0" algn="l" defTabSz="914400" rtl="0" eaLnBrk="1" latinLnBrk="0" hangingPunct="1">
+      <a:defRPr sz="1200" kern="1200">
+        <a:solidFill>
+          <a:schemeClr val="tx1"/>
+        </a:solidFill>
+        <a:latin typeface="+mn-lt"/>
+        <a:ea typeface="+mn-ea"/>
+        <a:cs typeface="+mn-cs"/>
+      </a:defRPr>
+    </a:lvl1pPr>
+    <a:lvl2pPr marL="457200" algn="l" defTabSz="914400" rtl="0" eaLnBrk="1" latinLnBrk="0" hangingPunct="1">
+      <a:defRPr sz="1200" kern="1200">
+        <a:solidFill>
+          <a:schemeClr val="tx1"/>
+        </a:solidFill>
+        <a:latin typeface="+mn-lt"/>
+        <a:ea typeface="+mn-ea"/>
+        <a:cs typeface="+mn-cs"/>
+      </a:defRPr>
+    </a:lvl2pPr>
+    <a:lvl3pPr marL="914400" algn="l" defTabSz="914400" rtl="0" eaLnBrk="1" latinLnBrk="0" hangingPunct="1">
+      <a:defRPr sz="1200" kern="1200">
+        <a:solidFill>
+          <a:schemeClr val="tx1"/>
+        </a:solidFill>
+        <a:latin typeface="+mn-lt"/>
+        <a:ea typeface="+mn-ea"/>
+        <a:cs typeface="+mn-cs"/>
+      </a:defRPr>
+    </a:lvl3pPr>
+    <a:lvl4pPr marL="1371600" algn="l" defTabSz="914400" rtl="0" eaLnBrk="1" latinLnBrk="0" hangingPunct="1">
+      <a:defRPr sz="1200" kern="1200">
+        <a:solidFill>
+          <a:schemeClr val="tx1"/>
+        </a:solidFill>
+        <a:latin typeface="+mn-lt"/>
+        <a:ea typeface="+mn-ea"/>
+        <a:cs typeface="+mn-cs"/>
+      </a:defRPr>
+    </a:lvl4pPr>
+    <a:lvl5pPr marL="1828800" algn="l" defTabSz="914400" rtl="0" eaLnBrk="1" latinLnBrk="0" hangingPunct="1">
+      <a:defRPr sz="1200" kern="1200">
+        <a:solidFill>
+          <a:schemeClr val="tx1"/>
+        </a:solidFill>
+        <a:latin typeface="+mn-lt"/>
+        <a:ea typeface="+mn-ea"/>
+        <a:cs typeface="+mn-cs"/>
+      </a:defRPr>
+    </a:lvl5pPr>
+    <a:lvl6pPr marL="2286000" algn="l" defTabSz="914400" rtl="0" eaLnBrk="1" latinLnBrk="0" hangingPunct="1">
+      <a:defRPr sz="1200" kern="1200">
+        <a:solidFill>
+          <a:schemeClr val="tx1"/>
+        </a:solidFill>
+        <a:latin typeface="+mn-lt"/>
+        <a:ea typeface="+mn-ea"/>
+        <a:cs typeface="+mn-cs"/>
+      </a:defRPr>
+    </a:lvl6pPr>
+    <a:lvl7pPr marL="2743200" algn="l" defTabSz="914400" rtl="0" eaLnBrk="1" latinLnBrk="0" hangingPunct="1">
+      <a:defRPr sz="1200" kern="1200">
+        <a:solidFill>
+          <a:schemeClr val="tx1"/>
+        </a:solidFill>
+        <a:latin typeface="+mn-lt"/>
+        <a:ea typeface="+mn-ea"/>
+        <a:cs typeface="+mn-cs"/>
+      </a:defRPr>
+    </a:lvl7pPr>
+    <a:lvl8pPr marL="3200400" algn="l" defTabSz="914400" rtl="0" eaLnBrk="1" latinLnBrk="0" hangingPunct="1">
+      <a:defRPr sz="1200" kern="1200">
+        <a:solidFill>
+          <a:schemeClr val="tx1"/>
+        </a:solidFill>
+        <a:latin typeface="+mn-lt"/>
+        <a:ea typeface="+mn-ea"/>
+        <a:cs typeface="+mn-cs"/>
+      </a:defRPr>
+    </a:lvl8pPr>
+    <a:lvl9pPr marL="3657600" algn="l" defTabSz="914400" rtl="0" eaLnBrk="1" latinLnBrk="0" hangingPunct="1">
+      <a:defRPr sz="1200" kern="1200">
+        <a:solidFill>
+          <a:schemeClr val="tx1"/>
+        </a:solidFill>
+        <a:latin typeface="+mn-lt"/>
+        <a:ea typeface="+mn-ea"/>
+        <a:cs typeface="+mn-cs"/>
+      </a:defRPr>
+    </a:lvl9pPr>
+  </p:notesStyle>
+</p:notesMaster>
+</file>
+
+<file path=ppt/notesSlides/notesSlide1.xml><?xml version="1.0" encoding="utf-8"?>
+<p:notes xmlns:a="http://schemas.openxmlformats.org/drawingml/2006/main" xmlns:r="http://schemas.openxmlformats.org/officeDocument/2006/relationships" xmlns:p="http://schemas.openxmlformats.org/presentationml/2006/main">
+  <p:cSld>
+    <p:spTree>
+      <p:nvGrpSpPr>
+        <p:cNvPr id="1" name=""/>
+        <p:cNvGrpSpPr/>
+        <p:nvPr/>
+      </p:nvGrpSpPr>
+      <p:grpSpPr>
+        <a:xfrm>
+          <a:off x="0" y="0"/>
+          <a:ext cx="0" cy="0"/>
+          <a:chOff x="0" y="0"/>
+          <a:chExt cx="0" cy="0"/>
+        </a:xfrm>
+      </p:grpSpPr>
+      <p:sp>
+        <p:nvSpPr>
+          <p:cNvPr id="2" name="Slide Image Placeholder 1"/>
+          <p:cNvSpPr>
+            <a:spLocks noGrp="1" noRot="1" noChangeAspect="1"/>
+          </p:cNvSpPr>
+          <p:nvPr>
+            <p:ph type="sldImg"/>
+          </p:nvPr>
+        </p:nvSpPr>
+        <p:spPr/>
+      </p:sp>
+      <p:sp>
+        <p:nvSpPr>
+          <p:cNvPr id="3" name="Notes Placeholder 2"/>
+          <p:cNvSpPr>
+            <a:spLocks noGrp="1"/>
+          </p:cNvSpPr>
+          <p:nvPr>
+            <p:ph type="body" idx="1"/>
+          </p:nvPr>
+        </p:nvSpPr>
+        <p:spPr/>
+        <p:txBody>
+          <a:bodyPr/>
+          <a:lstStyle/>
+          <a:p>
+            <a:endParaRPr lang="en-US" dirty="0"/>
+          </a:p>
+        </p:txBody>
+      </p:sp>
+      <p:sp>
+        <p:nvSpPr>
+          <p:cNvPr id="4" name="Slide Number Placeholder 3"/>
+          <p:cNvSpPr>
+            <a:spLocks noGrp="1"/>
+          </p:cNvSpPr>
+          <p:nvPr>
+            <p:ph type="sldNum" sz="quarter" idx="5"/>
+          </p:nvPr>
+        </p:nvSpPr>
+        <p:spPr/>
+        <p:txBody>
+          <a:bodyPr/>
+          <a:lstStyle/>
+          <a:p>
+            <a:fld id="{6138C726-BAA9-6D46-90AB-FDF336FCAE18}" type="slidenum">
+              <a:rPr lang="en-US" smtClean="0"/>
+              <a:t>6</a:t>
+            </a:fld>
+            <a:endParaRPr lang="en-US"/>
+          </a:p>
+        </p:txBody>
+      </p:sp>
+    </p:spTree>
+    <p:extLst>
+      <p:ext uri="{BB962C8B-B14F-4D97-AF65-F5344CB8AC3E}">
+        <p14:creationId xmlns:p14="http://schemas.microsoft.com/office/powerpoint/2010/main" val="2867036852"/>
+      </p:ext>
+    </p:extLst>
+  </p:cSld>
+  <p:clrMapOvr>
+    <a:masterClrMapping/>
+  </p:clrMapOvr>
+</p:notes>
 </file>
 
 <file path=ppt/slideLayouts/slideLayout1.xml><?xml version="1.0" encoding="utf-8"?>
@@ -3416,6 +3855,2079 @@
 <file path=ppt/slides/slide10.xml><?xml version="1.0" encoding="utf-8"?>
 <p:sld xmlns:a="http://schemas.openxmlformats.org/drawingml/2006/main" xmlns:r="http://schemas.openxmlformats.org/officeDocument/2006/relationships" xmlns:p="http://schemas.openxmlformats.org/presentationml/2006/main">
   <p:cSld>
+    <p:spTree>
+      <p:nvGrpSpPr>
+        <p:cNvPr id="1" name=""/>
+        <p:cNvGrpSpPr/>
+        <p:nvPr/>
+      </p:nvGrpSpPr>
+      <p:grpSpPr>
+        <a:xfrm>
+          <a:off x="0" y="0"/>
+          <a:ext cx="0" cy="0"/>
+          <a:chOff x="0" y="0"/>
+          <a:chExt cx="0" cy="0"/>
+        </a:xfrm>
+      </p:grpSpPr>
+      <p:sp>
+        <p:nvSpPr>
+          <p:cNvPr id="2" name="Title 1">
+            <a:extLst>
+              <a:ext uri="{FF2B5EF4-FFF2-40B4-BE49-F238E27FC236}">
+                <a16:creationId xmlns:a16="http://schemas.microsoft.com/office/drawing/2014/main" id="{70479C34-C963-EFF4-C2E5-781F8453A4E0}"/>
+              </a:ext>
+            </a:extLst>
+          </p:cNvPr>
+          <p:cNvSpPr>
+            <a:spLocks noGrp="1"/>
+          </p:cNvSpPr>
+          <p:nvPr>
+            <p:ph type="title"/>
+          </p:nvPr>
+        </p:nvSpPr>
+        <p:spPr>
+          <a:xfrm>
+            <a:off x="838200" y="2766218"/>
+            <a:ext cx="10515600" cy="1325563"/>
+          </a:xfrm>
+        </p:spPr>
+        <p:txBody>
+          <a:bodyPr/>
+          <a:lstStyle/>
+          <a:p>
+            <a:pPr algn="ctr"/>
+            <a:r>
+              <a:rPr lang="en-US" altLang="zh-TW" dirty="0"/>
+              <a:t>Python</a:t>
+            </a:r>
+            <a:r>
+              <a:rPr lang="zh-TW" altLang="en-US" dirty="0"/>
+              <a:t> 分群</a:t>
+            </a:r>
+            <a:endParaRPr lang="en-US" dirty="0"/>
+          </a:p>
+        </p:txBody>
+      </p:sp>
+    </p:spTree>
+    <p:extLst>
+      <p:ext uri="{BB962C8B-B14F-4D97-AF65-F5344CB8AC3E}">
+        <p14:creationId xmlns:p14="http://schemas.microsoft.com/office/powerpoint/2010/main" val="2807485128"/>
+      </p:ext>
+    </p:extLst>
+  </p:cSld>
+  <p:clrMapOvr>
+    <a:masterClrMapping/>
+  </p:clrMapOvr>
+</p:sld>
+</file>
+
+<file path=ppt/slides/slide11.xml><?xml version="1.0" encoding="utf-8"?>
+<p:sld xmlns:a="http://schemas.openxmlformats.org/drawingml/2006/main" xmlns:r="http://schemas.openxmlformats.org/officeDocument/2006/relationships" xmlns:p="http://schemas.openxmlformats.org/presentationml/2006/main">
+  <p:cSld>
+    <p:spTree>
+      <p:nvGrpSpPr>
+        <p:cNvPr id="1" name=""/>
+        <p:cNvGrpSpPr/>
+        <p:nvPr/>
+      </p:nvGrpSpPr>
+      <p:grpSpPr>
+        <a:xfrm>
+          <a:off x="0" y="0"/>
+          <a:ext cx="0" cy="0"/>
+          <a:chOff x="0" y="0"/>
+          <a:chExt cx="0" cy="0"/>
+        </a:xfrm>
+      </p:grpSpPr>
+      <p:pic>
+        <p:nvPicPr>
+          <p:cNvPr id="5" name="Content Placeholder 4">
+            <a:extLst>
+              <a:ext uri="{FF2B5EF4-FFF2-40B4-BE49-F238E27FC236}">
+                <a16:creationId xmlns:a16="http://schemas.microsoft.com/office/drawing/2014/main" id="{92BB4F43-3D7A-6E8B-4BA9-2C87D4A2C4F2}"/>
+              </a:ext>
+            </a:extLst>
+          </p:cNvPr>
+          <p:cNvPicPr>
+            <a:picLocks noGrp="1" noChangeAspect="1"/>
+          </p:cNvPicPr>
+          <p:nvPr>
+            <p:ph idx="1"/>
+          </p:nvPr>
+        </p:nvPicPr>
+        <p:blipFill>
+          <a:blip r:embed="rId2">
+            <a:extLst>
+              <a:ext uri="{28A0092B-C50C-407E-A947-70E740481C1C}">
+                <a14:useLocalDpi xmlns:a14="http://schemas.microsoft.com/office/drawing/2010/main" val="0"/>
+              </a:ext>
+            </a:extLst>
+          </a:blip>
+          <a:stretch>
+            <a:fillRect/>
+          </a:stretch>
+        </p:blipFill>
+        <p:spPr>
+          <a:xfrm>
+            <a:off x="-1" y="0"/>
+            <a:ext cx="12228721" cy="6858000"/>
+          </a:xfrm>
+        </p:spPr>
+      </p:pic>
+    </p:spTree>
+    <p:extLst>
+      <p:ext uri="{BB962C8B-B14F-4D97-AF65-F5344CB8AC3E}">
+        <p14:creationId xmlns:p14="http://schemas.microsoft.com/office/powerpoint/2010/main" val="656092920"/>
+      </p:ext>
+    </p:extLst>
+  </p:cSld>
+  <p:clrMapOvr>
+    <a:masterClrMapping/>
+  </p:clrMapOvr>
+</p:sld>
+</file>
+
+<file path=ppt/slides/slide12.xml><?xml version="1.0" encoding="utf-8"?>
+<p:sld xmlns:a="http://schemas.openxmlformats.org/drawingml/2006/main" xmlns:r="http://schemas.openxmlformats.org/officeDocument/2006/relationships" xmlns:p="http://schemas.openxmlformats.org/presentationml/2006/main">
+  <p:cSld>
+    <p:spTree>
+      <p:nvGrpSpPr>
+        <p:cNvPr id="1" name=""/>
+        <p:cNvGrpSpPr/>
+        <p:nvPr/>
+      </p:nvGrpSpPr>
+      <p:grpSpPr>
+        <a:xfrm>
+          <a:off x="0" y="0"/>
+          <a:ext cx="0" cy="0"/>
+          <a:chOff x="0" y="0"/>
+          <a:chExt cx="0" cy="0"/>
+        </a:xfrm>
+      </p:grpSpPr>
+      <p:sp>
+        <p:nvSpPr>
+          <p:cNvPr id="3" name="Content Placeholder 2">
+            <a:extLst>
+              <a:ext uri="{FF2B5EF4-FFF2-40B4-BE49-F238E27FC236}">
+                <a16:creationId xmlns:a16="http://schemas.microsoft.com/office/drawing/2014/main" id="{775E8028-15D1-533D-A983-9B10603038CD}"/>
+              </a:ext>
+            </a:extLst>
+          </p:cNvPr>
+          <p:cNvSpPr>
+            <a:spLocks noGrp="1"/>
+          </p:cNvSpPr>
+          <p:nvPr>
+            <p:ph idx="1"/>
+          </p:nvPr>
+        </p:nvSpPr>
+        <p:spPr>
+          <a:xfrm>
+            <a:off x="1052420" y="367162"/>
+            <a:ext cx="4347716" cy="3355975"/>
+          </a:xfrm>
+        </p:spPr>
+        <p:txBody>
+          <a:bodyPr>
+            <a:normAutofit/>
+          </a:bodyPr>
+          <a:lstStyle/>
+          <a:p>
+            <a:pPr marL="0" marR="0" indent="0">
+              <a:spcBef>
+                <a:spcPts val="0"/>
+              </a:spcBef>
+              <a:spcAft>
+                <a:spcPts val="0"/>
+              </a:spcAft>
+              <a:buNone/>
+            </a:pPr>
+            <a:r>
+              <a:rPr lang="en-US" sz="1800" dirty="0">
+                <a:effectLst/>
+                <a:ea typeface="PMingLiU" panose="02020500000000000000" pitchFamily="18" charset="-120"/>
+                <a:cs typeface="Times New Roman" panose="02020603050405020304" pitchFamily="18" charset="0"/>
+              </a:rPr>
+              <a:t>Cluster </a:t>
+            </a:r>
+            <a:r>
+              <a:rPr lang="en-US" altLang="zh-TW" sz="1800" dirty="0">
+                <a:effectLst/>
+                <a:ea typeface="PMingLiU" panose="02020500000000000000" pitchFamily="18" charset="-120"/>
+                <a:cs typeface="Times New Roman" panose="02020603050405020304" pitchFamily="18" charset="0"/>
+              </a:rPr>
+              <a:t>0</a:t>
+            </a:r>
+            <a:endParaRPr lang="en-US" sz="1800" dirty="0">
+              <a:effectLst/>
+              <a:ea typeface="PMingLiU" panose="02020500000000000000" pitchFamily="18" charset="-120"/>
+              <a:cs typeface="Times New Roman" panose="02020603050405020304" pitchFamily="18" charset="0"/>
+            </a:endParaRPr>
+          </a:p>
+          <a:p>
+            <a:pPr marL="0" marR="0">
+              <a:spcBef>
+                <a:spcPts val="0"/>
+              </a:spcBef>
+              <a:spcAft>
+                <a:spcPts val="0"/>
+              </a:spcAft>
+            </a:pPr>
+            <a:r>
+              <a:rPr lang="zh-TW" sz="1800" dirty="0">
+                <a:effectLst/>
+                <a:cs typeface="Times New Roman" panose="02020603050405020304" pitchFamily="18" charset="0"/>
+              </a:rPr>
+              <a:t>平均房價</a:t>
+            </a:r>
+            <a:r>
+              <a:rPr lang="en-US" sz="1800" dirty="0">
+                <a:effectLst/>
+                <a:cs typeface="Times New Roman" panose="02020603050405020304" pitchFamily="18" charset="0"/>
+              </a:rPr>
+              <a:t> (ADR)</a:t>
+            </a:r>
+            <a:r>
+              <a:rPr lang="zh-TW" sz="1800" dirty="0">
+                <a:effectLst/>
+                <a:cs typeface="Times New Roman" panose="02020603050405020304" pitchFamily="18" charset="0"/>
+              </a:rPr>
+              <a:t>：</a:t>
+            </a:r>
+            <a:r>
+              <a:rPr lang="en-US" sz="1800" dirty="0">
+                <a:effectLst/>
+                <a:cs typeface="Times New Roman" panose="02020603050405020304" pitchFamily="18" charset="0"/>
+              </a:rPr>
+              <a:t> $92.6</a:t>
+            </a:r>
+          </a:p>
+          <a:p>
+            <a:pPr marL="0" marR="0">
+              <a:spcBef>
+                <a:spcPts val="0"/>
+              </a:spcBef>
+              <a:spcAft>
+                <a:spcPts val="0"/>
+              </a:spcAft>
+            </a:pPr>
+            <a:r>
+              <a:rPr lang="zh-TW" sz="1800" dirty="0">
+                <a:effectLst/>
+                <a:cs typeface="Times New Roman" panose="02020603050405020304" pitchFamily="18" charset="0"/>
+              </a:rPr>
+              <a:t>平均入住夜數：</a:t>
+            </a:r>
+            <a:r>
+              <a:rPr lang="en-US" sz="1800" dirty="0">
+                <a:effectLst/>
+                <a:cs typeface="Times New Roman" panose="02020603050405020304" pitchFamily="18" charset="0"/>
+              </a:rPr>
+              <a:t> 3 </a:t>
+            </a:r>
+            <a:r>
+              <a:rPr lang="zh-TW" sz="1800" dirty="0">
+                <a:effectLst/>
+                <a:cs typeface="Times New Roman" panose="02020603050405020304" pitchFamily="18" charset="0"/>
+              </a:rPr>
+              <a:t>晚</a:t>
+            </a:r>
+            <a:endParaRPr lang="en-US" sz="1800" dirty="0">
+              <a:effectLst/>
+              <a:cs typeface="Times New Roman" panose="02020603050405020304" pitchFamily="18" charset="0"/>
+            </a:endParaRPr>
+          </a:p>
+          <a:p>
+            <a:pPr marL="0" marR="0">
+              <a:spcBef>
+                <a:spcPts val="0"/>
+              </a:spcBef>
+              <a:spcAft>
+                <a:spcPts val="0"/>
+              </a:spcAft>
+            </a:pPr>
+            <a:r>
+              <a:rPr lang="zh-TW" sz="1800" dirty="0">
+                <a:effectLst/>
+                <a:cs typeface="Times New Roman" panose="02020603050405020304" pitchFamily="18" charset="0"/>
+              </a:rPr>
+              <a:t>主要旅客：</a:t>
+            </a:r>
+            <a:r>
+              <a:rPr lang="en-US" sz="1800" dirty="0">
+                <a:effectLst/>
+                <a:cs typeface="Times New Roman" panose="02020603050405020304" pitchFamily="18" charset="0"/>
+              </a:rPr>
+              <a:t> 1</a:t>
+            </a:r>
+            <a:r>
+              <a:rPr lang="zh-TW" sz="1800" dirty="0">
+                <a:effectLst/>
+                <a:cs typeface="Times New Roman" panose="02020603050405020304" pitchFamily="18" charset="0"/>
+              </a:rPr>
+              <a:t>–</a:t>
+            </a:r>
+            <a:r>
+              <a:rPr lang="en-US" sz="1800" dirty="0">
+                <a:effectLst/>
+                <a:cs typeface="Times New Roman" panose="02020603050405020304" pitchFamily="18" charset="0"/>
+              </a:rPr>
+              <a:t>2 </a:t>
+            </a:r>
+            <a:r>
+              <a:rPr lang="zh-TW" sz="1800" dirty="0">
+                <a:effectLst/>
+                <a:cs typeface="Times New Roman" panose="02020603050405020304" pitchFamily="18" charset="0"/>
+              </a:rPr>
+              <a:t>位成人，幾乎沒有小孩</a:t>
+            </a:r>
+            <a:endParaRPr lang="en-US" sz="1800" dirty="0">
+              <a:effectLst/>
+              <a:cs typeface="Times New Roman" panose="02020603050405020304" pitchFamily="18" charset="0"/>
+            </a:endParaRPr>
+          </a:p>
+          <a:p>
+            <a:pPr marL="0" marR="0">
+              <a:spcBef>
+                <a:spcPts val="0"/>
+              </a:spcBef>
+              <a:spcAft>
+                <a:spcPts val="0"/>
+              </a:spcAft>
+            </a:pPr>
+            <a:r>
+              <a:rPr lang="zh-TW" sz="1800" dirty="0">
+                <a:effectLst/>
+                <a:cs typeface="Times New Roman" panose="02020603050405020304" pitchFamily="18" charset="0"/>
+              </a:rPr>
+              <a:t>家庭比例： 幾乎不是家庭</a:t>
+            </a:r>
+            <a:endParaRPr lang="en-US" altLang="zh-TW" sz="1800" dirty="0">
+              <a:cs typeface="Times New Roman" panose="02020603050405020304" pitchFamily="18" charset="0"/>
+            </a:endParaRPr>
+          </a:p>
+          <a:p>
+            <a:pPr marL="0" marR="0">
+              <a:spcBef>
+                <a:spcPts val="0"/>
+              </a:spcBef>
+              <a:spcAft>
+                <a:spcPts val="0"/>
+              </a:spcAft>
+            </a:pPr>
+            <a:r>
+              <a:rPr lang="zh-TW" sz="1800" dirty="0">
+                <a:effectLst/>
+                <a:cs typeface="Times New Roman" panose="02020603050405020304" pitchFamily="18" charset="0"/>
+              </a:rPr>
+              <a:t>週末入住： 幾乎都是週末</a:t>
+            </a:r>
+            <a:r>
+              <a:rPr lang="en-US" sz="1800" dirty="0">
+                <a:effectLst/>
+                <a:cs typeface="Times New Roman" panose="02020603050405020304" pitchFamily="18" charset="0"/>
+              </a:rPr>
+              <a:t> (100%)</a:t>
+            </a:r>
+          </a:p>
+          <a:p>
+            <a:pPr marL="0" marR="0">
+              <a:spcBef>
+                <a:spcPts val="0"/>
+              </a:spcBef>
+              <a:spcAft>
+                <a:spcPts val="0"/>
+              </a:spcAft>
+            </a:pPr>
+            <a:r>
+              <a:rPr lang="zh-TW" sz="1800" dirty="0">
+                <a:effectLst/>
+                <a:cs typeface="Times New Roman" panose="02020603050405020304" pitchFamily="18" charset="0"/>
+              </a:rPr>
+              <a:t>特殊需求： 少</a:t>
+            </a:r>
+            <a:r>
+              <a:rPr lang="en-US" sz="1800" dirty="0">
+                <a:effectLst/>
+                <a:cs typeface="Times New Roman" panose="02020603050405020304" pitchFamily="18" charset="0"/>
+              </a:rPr>
+              <a:t> (0.42)</a:t>
+            </a:r>
+          </a:p>
+          <a:p>
+            <a:pPr marL="0" marR="0">
+              <a:spcBef>
+                <a:spcPts val="0"/>
+              </a:spcBef>
+              <a:spcAft>
+                <a:spcPts val="0"/>
+              </a:spcAft>
+            </a:pPr>
+            <a:r>
+              <a:rPr lang="zh-TW" sz="1800" dirty="0">
+                <a:effectLst/>
+                <a:cs typeface="Times New Roman" panose="02020603050405020304" pitchFamily="18" charset="0"/>
+              </a:rPr>
+              <a:t>平均營收：</a:t>
+            </a:r>
+            <a:r>
+              <a:rPr lang="en-US" sz="1800" dirty="0">
+                <a:effectLst/>
+                <a:cs typeface="Times New Roman" panose="02020603050405020304" pitchFamily="18" charset="0"/>
+              </a:rPr>
+              <a:t> $270 </a:t>
+            </a:r>
+          </a:p>
+          <a:p>
+            <a:pPr marL="0" marR="0" indent="0">
+              <a:spcBef>
+                <a:spcPts val="0"/>
+              </a:spcBef>
+              <a:spcAft>
+                <a:spcPts val="0"/>
+              </a:spcAft>
+              <a:buNone/>
+            </a:pPr>
+            <a:endParaRPr lang="en-US" altLang="zh-TW" sz="1800" dirty="0">
+              <a:effectLst/>
+              <a:cs typeface="Times New Roman" panose="02020603050405020304" pitchFamily="18" charset="0"/>
+            </a:endParaRPr>
+          </a:p>
+          <a:p>
+            <a:pPr marL="0" marR="0" indent="0">
+              <a:spcBef>
+                <a:spcPts val="0"/>
+              </a:spcBef>
+              <a:spcAft>
+                <a:spcPts val="0"/>
+              </a:spcAft>
+              <a:buNone/>
+            </a:pPr>
+            <a:r>
+              <a:rPr lang="zh-TW" sz="1800" dirty="0">
+                <a:effectLst/>
+                <a:cs typeface="Times New Roman" panose="02020603050405020304" pitchFamily="18" charset="0"/>
+              </a:rPr>
+              <a:t>解讀：</a:t>
+            </a:r>
+            <a:r>
+              <a:rPr lang="zh-TW" sz="1800" b="1" dirty="0">
+                <a:solidFill>
+                  <a:srgbClr val="FF0000"/>
+                </a:solidFill>
+                <a:effectLst/>
+                <a:cs typeface="Times New Roman" panose="02020603050405020304" pitchFamily="18" charset="0"/>
+              </a:rPr>
+              <a:t>短期、週末休閒旅客</a:t>
+            </a:r>
+            <a:endParaRPr lang="en-US" sz="1800" b="1" dirty="0">
+              <a:solidFill>
+                <a:srgbClr val="FF0000"/>
+              </a:solidFill>
+              <a:effectLst/>
+              <a:cs typeface="Times New Roman" panose="02020603050405020304" pitchFamily="18" charset="0"/>
+            </a:endParaRPr>
+          </a:p>
+          <a:p>
+            <a:pPr marL="0" marR="0">
+              <a:spcBef>
+                <a:spcPts val="0"/>
+              </a:spcBef>
+              <a:spcAft>
+                <a:spcPts val="0"/>
+              </a:spcAft>
+            </a:pPr>
+            <a:r>
+              <a:rPr lang="zh-TW" sz="1800" dirty="0">
+                <a:effectLst/>
+                <a:cs typeface="Times New Roman" panose="02020603050405020304" pitchFamily="18" charset="0"/>
+              </a:rPr>
+              <a:t>通常是情侶或單人，訂房很早，週末度假，需求簡單。</a:t>
+            </a:r>
+            <a:endParaRPr lang="en-US" sz="1800" dirty="0">
+              <a:effectLst/>
+              <a:cs typeface="Times New Roman" panose="02020603050405020304" pitchFamily="18" charset="0"/>
+            </a:endParaRPr>
+          </a:p>
+          <a:p>
+            <a:endParaRPr lang="en-US" dirty="0"/>
+          </a:p>
+        </p:txBody>
+      </p:sp>
+      <p:sp>
+        <p:nvSpPr>
+          <p:cNvPr id="4" name="Content Placeholder 2">
+            <a:extLst>
+              <a:ext uri="{FF2B5EF4-FFF2-40B4-BE49-F238E27FC236}">
+                <a16:creationId xmlns:a16="http://schemas.microsoft.com/office/drawing/2014/main" id="{D1F03C86-0729-92C3-025A-BCF211359DC4}"/>
+              </a:ext>
+            </a:extLst>
+          </p:cNvPr>
+          <p:cNvSpPr txBox="1">
+            <a:spLocks/>
+          </p:cNvSpPr>
+          <p:nvPr/>
+        </p:nvSpPr>
+        <p:spPr>
+          <a:xfrm>
+            <a:off x="7031967" y="367162"/>
+            <a:ext cx="4107611" cy="3355975"/>
+          </a:xfrm>
+          <a:prstGeom prst="rect">
+            <a:avLst/>
+          </a:prstGeom>
+        </p:spPr>
+        <p:txBody>
+          <a:bodyPr vert="horz" lIns="91440" tIns="45720" rIns="91440" bIns="45720" rtlCol="0">
+            <a:normAutofit/>
+          </a:bodyPr>
+          <a:lstStyle>
+            <a:lvl1pPr marL="228600" indent="-228600" algn="l" defTabSz="914400" rtl="0" eaLnBrk="1" latinLnBrk="0" hangingPunct="1">
+              <a:lnSpc>
+                <a:spcPct val="90000"/>
+              </a:lnSpc>
+              <a:spcBef>
+                <a:spcPts val="1000"/>
+              </a:spcBef>
+              <a:buFont typeface="Arial" panose="020B0604020202020204" pitchFamily="34" charset="0"/>
+              <a:buChar char="•"/>
+              <a:defRPr sz="2800" kern="1200">
+                <a:solidFill>
+                  <a:schemeClr val="tx1"/>
+                </a:solidFill>
+                <a:latin typeface="+mn-lt"/>
+                <a:ea typeface="+mn-ea"/>
+                <a:cs typeface="+mn-cs"/>
+              </a:defRPr>
+            </a:lvl1pPr>
+            <a:lvl2pPr marL="685800" indent="-228600" algn="l" defTabSz="914400" rtl="0" eaLnBrk="1" latinLnBrk="0" hangingPunct="1">
+              <a:lnSpc>
+                <a:spcPct val="90000"/>
+              </a:lnSpc>
+              <a:spcBef>
+                <a:spcPts val="500"/>
+              </a:spcBef>
+              <a:buFont typeface="Arial" panose="020B0604020202020204" pitchFamily="34" charset="0"/>
+              <a:buChar char="•"/>
+              <a:defRPr sz="2400" kern="1200">
+                <a:solidFill>
+                  <a:schemeClr val="tx1"/>
+                </a:solidFill>
+                <a:latin typeface="+mn-lt"/>
+                <a:ea typeface="+mn-ea"/>
+                <a:cs typeface="+mn-cs"/>
+              </a:defRPr>
+            </a:lvl2pPr>
+            <a:lvl3pPr marL="1143000" indent="-228600" algn="l" defTabSz="914400" rtl="0" eaLnBrk="1" latinLnBrk="0" hangingPunct="1">
+              <a:lnSpc>
+                <a:spcPct val="90000"/>
+              </a:lnSpc>
+              <a:spcBef>
+                <a:spcPts val="500"/>
+              </a:spcBef>
+              <a:buFont typeface="Arial" panose="020B0604020202020204" pitchFamily="34" charset="0"/>
+              <a:buChar char="•"/>
+              <a:defRPr sz="2000" kern="1200">
+                <a:solidFill>
+                  <a:schemeClr val="tx1"/>
+                </a:solidFill>
+                <a:latin typeface="+mn-lt"/>
+                <a:ea typeface="+mn-ea"/>
+                <a:cs typeface="+mn-cs"/>
+              </a:defRPr>
+            </a:lvl3pPr>
+            <a:lvl4pPr marL="1600200" indent="-228600" algn="l" defTabSz="914400" rtl="0" eaLnBrk="1" latinLnBrk="0" hangingPunct="1">
+              <a:lnSpc>
+                <a:spcPct val="90000"/>
+              </a:lnSpc>
+              <a:spcBef>
+                <a:spcPts val="500"/>
+              </a:spcBef>
+              <a:buFont typeface="Arial" panose="020B0604020202020204" pitchFamily="34" charset="0"/>
+              <a:buChar char="•"/>
+              <a:defRPr sz="1800" kern="1200">
+                <a:solidFill>
+                  <a:schemeClr val="tx1"/>
+                </a:solidFill>
+                <a:latin typeface="+mn-lt"/>
+                <a:ea typeface="+mn-ea"/>
+                <a:cs typeface="+mn-cs"/>
+              </a:defRPr>
+            </a:lvl4pPr>
+            <a:lvl5pPr marL="2057400" indent="-228600" algn="l" defTabSz="914400" rtl="0" eaLnBrk="1" latinLnBrk="0" hangingPunct="1">
+              <a:lnSpc>
+                <a:spcPct val="90000"/>
+              </a:lnSpc>
+              <a:spcBef>
+                <a:spcPts val="500"/>
+              </a:spcBef>
+              <a:buFont typeface="Arial" panose="020B0604020202020204" pitchFamily="34" charset="0"/>
+              <a:buChar char="•"/>
+              <a:defRPr sz="1800" kern="1200">
+                <a:solidFill>
+                  <a:schemeClr val="tx1"/>
+                </a:solidFill>
+                <a:latin typeface="+mn-lt"/>
+                <a:ea typeface="+mn-ea"/>
+                <a:cs typeface="+mn-cs"/>
+              </a:defRPr>
+            </a:lvl5pPr>
+            <a:lvl6pPr marL="2514600" indent="-228600" algn="l" defTabSz="914400" rtl="0" eaLnBrk="1" latinLnBrk="0" hangingPunct="1">
+              <a:lnSpc>
+                <a:spcPct val="90000"/>
+              </a:lnSpc>
+              <a:spcBef>
+                <a:spcPts val="500"/>
+              </a:spcBef>
+              <a:buFont typeface="Arial" panose="020B0604020202020204" pitchFamily="34" charset="0"/>
+              <a:buChar char="•"/>
+              <a:defRPr sz="1800" kern="1200">
+                <a:solidFill>
+                  <a:schemeClr val="tx1"/>
+                </a:solidFill>
+                <a:latin typeface="+mn-lt"/>
+                <a:ea typeface="+mn-ea"/>
+                <a:cs typeface="+mn-cs"/>
+              </a:defRPr>
+            </a:lvl6pPr>
+            <a:lvl7pPr marL="2971800" indent="-228600" algn="l" defTabSz="914400" rtl="0" eaLnBrk="1" latinLnBrk="0" hangingPunct="1">
+              <a:lnSpc>
+                <a:spcPct val="90000"/>
+              </a:lnSpc>
+              <a:spcBef>
+                <a:spcPts val="500"/>
+              </a:spcBef>
+              <a:buFont typeface="Arial" panose="020B0604020202020204" pitchFamily="34" charset="0"/>
+              <a:buChar char="•"/>
+              <a:defRPr sz="1800" kern="1200">
+                <a:solidFill>
+                  <a:schemeClr val="tx1"/>
+                </a:solidFill>
+                <a:latin typeface="+mn-lt"/>
+                <a:ea typeface="+mn-ea"/>
+                <a:cs typeface="+mn-cs"/>
+              </a:defRPr>
+            </a:lvl7pPr>
+            <a:lvl8pPr marL="3429000" indent="-228600" algn="l" defTabSz="914400" rtl="0" eaLnBrk="1" latinLnBrk="0" hangingPunct="1">
+              <a:lnSpc>
+                <a:spcPct val="90000"/>
+              </a:lnSpc>
+              <a:spcBef>
+                <a:spcPts val="500"/>
+              </a:spcBef>
+              <a:buFont typeface="Arial" panose="020B0604020202020204" pitchFamily="34" charset="0"/>
+              <a:buChar char="•"/>
+              <a:defRPr sz="1800" kern="1200">
+                <a:solidFill>
+                  <a:schemeClr val="tx1"/>
+                </a:solidFill>
+                <a:latin typeface="+mn-lt"/>
+                <a:ea typeface="+mn-ea"/>
+                <a:cs typeface="+mn-cs"/>
+              </a:defRPr>
+            </a:lvl8pPr>
+            <a:lvl9pPr marL="3886200" indent="-228600" algn="l" defTabSz="914400" rtl="0" eaLnBrk="1" latinLnBrk="0" hangingPunct="1">
+              <a:lnSpc>
+                <a:spcPct val="90000"/>
+              </a:lnSpc>
+              <a:spcBef>
+                <a:spcPts val="500"/>
+              </a:spcBef>
+              <a:buFont typeface="Arial" panose="020B0604020202020204" pitchFamily="34" charset="0"/>
+              <a:buChar char="•"/>
+              <a:defRPr sz="1800" kern="1200">
+                <a:solidFill>
+                  <a:schemeClr val="tx1"/>
+                </a:solidFill>
+                <a:latin typeface="+mn-lt"/>
+                <a:ea typeface="+mn-ea"/>
+                <a:cs typeface="+mn-cs"/>
+              </a:defRPr>
+            </a:lvl9pPr>
+          </a:lstStyle>
+          <a:p>
+            <a:pPr marL="0" marR="0" indent="0">
+              <a:spcBef>
+                <a:spcPts val="0"/>
+              </a:spcBef>
+              <a:spcAft>
+                <a:spcPts val="0"/>
+              </a:spcAft>
+              <a:buNone/>
+            </a:pPr>
+            <a:r>
+              <a:rPr lang="en-US" sz="1800" dirty="0">
+                <a:effectLst/>
+                <a:ea typeface="PMingLiU" panose="02020500000000000000" pitchFamily="18" charset="-120"/>
+                <a:cs typeface="Times New Roman" panose="02020603050405020304" pitchFamily="18" charset="0"/>
+              </a:rPr>
+              <a:t>Cluster 1</a:t>
+            </a:r>
+          </a:p>
+          <a:p>
+            <a:pPr marL="0" marR="0">
+              <a:spcBef>
+                <a:spcPts val="0"/>
+              </a:spcBef>
+              <a:spcAft>
+                <a:spcPts val="0"/>
+              </a:spcAft>
+            </a:pPr>
+            <a:r>
+              <a:rPr lang="en-US" sz="1800" dirty="0">
+                <a:effectLst/>
+                <a:ea typeface="PMingLiU" panose="02020500000000000000" pitchFamily="18" charset="-120"/>
+                <a:cs typeface="Times New Roman" panose="02020603050405020304" pitchFamily="18" charset="0"/>
+              </a:rPr>
+              <a:t>ADR</a:t>
+            </a:r>
+            <a:r>
+              <a:rPr lang="zh-TW" sz="1800" dirty="0">
+                <a:effectLst/>
+                <a:ea typeface="PMingLiU" panose="02020500000000000000" pitchFamily="18" charset="-120"/>
+                <a:cs typeface="Times New Roman" panose="02020603050405020304" pitchFamily="18" charset="0"/>
+              </a:rPr>
+              <a:t>：</a:t>
+            </a:r>
+            <a:r>
+              <a:rPr lang="en-US" sz="1800" dirty="0">
+                <a:effectLst/>
+                <a:ea typeface="PMingLiU" panose="02020500000000000000" pitchFamily="18" charset="-120"/>
+                <a:cs typeface="Times New Roman" panose="02020603050405020304" pitchFamily="18" charset="0"/>
+              </a:rPr>
+              <a:t> $135.3</a:t>
+            </a:r>
+          </a:p>
+          <a:p>
+            <a:pPr marL="0" marR="0">
+              <a:spcBef>
+                <a:spcPts val="0"/>
+              </a:spcBef>
+              <a:spcAft>
+                <a:spcPts val="0"/>
+              </a:spcAft>
+            </a:pPr>
+            <a:r>
+              <a:rPr lang="zh-TW" sz="1800" dirty="0">
+                <a:effectLst/>
+                <a:ea typeface="PMingLiU" panose="02020500000000000000" pitchFamily="18" charset="-120"/>
+                <a:cs typeface="Times New Roman" panose="02020603050405020304" pitchFamily="18" charset="0"/>
+              </a:rPr>
+              <a:t>平均入住夜數：</a:t>
+            </a:r>
+            <a:r>
+              <a:rPr lang="en-US" sz="1800" dirty="0">
+                <a:effectLst/>
+                <a:ea typeface="PMingLiU" panose="02020500000000000000" pitchFamily="18" charset="-120"/>
+                <a:cs typeface="Times New Roman" panose="02020603050405020304" pitchFamily="18" charset="0"/>
+              </a:rPr>
+              <a:t> 5 </a:t>
+            </a:r>
+            <a:r>
+              <a:rPr lang="zh-TW" sz="1800" dirty="0">
+                <a:effectLst/>
+                <a:ea typeface="PMingLiU" panose="02020500000000000000" pitchFamily="18" charset="-120"/>
+                <a:cs typeface="Times New Roman" panose="02020603050405020304" pitchFamily="18" charset="0"/>
+              </a:rPr>
+              <a:t>晚</a:t>
+            </a:r>
+            <a:endParaRPr lang="en-US" sz="1800" dirty="0">
+              <a:effectLst/>
+              <a:ea typeface="PMingLiU" panose="02020500000000000000" pitchFamily="18" charset="-120"/>
+              <a:cs typeface="Times New Roman" panose="02020603050405020304" pitchFamily="18" charset="0"/>
+            </a:endParaRPr>
+          </a:p>
+          <a:p>
+            <a:pPr marL="0" marR="0">
+              <a:spcBef>
+                <a:spcPts val="0"/>
+              </a:spcBef>
+              <a:spcAft>
+                <a:spcPts val="0"/>
+              </a:spcAft>
+            </a:pPr>
+            <a:r>
+              <a:rPr lang="zh-TW" sz="1800" dirty="0">
+                <a:effectLst/>
+                <a:ea typeface="PMingLiU" panose="02020500000000000000" pitchFamily="18" charset="-120"/>
+                <a:cs typeface="Times New Roman" panose="02020603050405020304" pitchFamily="18" charset="0"/>
+              </a:rPr>
+              <a:t>主要旅客：</a:t>
+            </a:r>
+            <a:r>
+              <a:rPr lang="en-US" sz="1800" dirty="0">
+                <a:effectLst/>
+                <a:ea typeface="PMingLiU" panose="02020500000000000000" pitchFamily="18" charset="-120"/>
+                <a:cs typeface="Times New Roman" panose="02020603050405020304" pitchFamily="18" charset="0"/>
+              </a:rPr>
+              <a:t> 2 </a:t>
+            </a:r>
+            <a:r>
+              <a:rPr lang="zh-TW" sz="1800" dirty="0">
+                <a:effectLst/>
+                <a:ea typeface="PMingLiU" panose="02020500000000000000" pitchFamily="18" charset="-120"/>
+                <a:cs typeface="Times New Roman" panose="02020603050405020304" pitchFamily="18" charset="0"/>
+              </a:rPr>
+              <a:t>位成人，無小孩</a:t>
+            </a:r>
+            <a:endParaRPr lang="en-US" sz="1800" dirty="0">
+              <a:effectLst/>
+              <a:ea typeface="PMingLiU" panose="02020500000000000000" pitchFamily="18" charset="-120"/>
+              <a:cs typeface="Times New Roman" panose="02020603050405020304" pitchFamily="18" charset="0"/>
+            </a:endParaRPr>
+          </a:p>
+          <a:p>
+            <a:pPr marL="0" marR="0">
+              <a:spcBef>
+                <a:spcPts val="0"/>
+              </a:spcBef>
+              <a:spcAft>
+                <a:spcPts val="0"/>
+              </a:spcAft>
+            </a:pPr>
+            <a:r>
+              <a:rPr lang="zh-TW" sz="1800" dirty="0">
+                <a:effectLst/>
+                <a:ea typeface="PMingLiU" panose="02020500000000000000" pitchFamily="18" charset="-120"/>
+                <a:cs typeface="Times New Roman" panose="02020603050405020304" pitchFamily="18" charset="0"/>
+              </a:rPr>
+              <a:t>家庭比例： 幾乎不是家庭</a:t>
+            </a:r>
+            <a:endParaRPr lang="en-US" sz="1800" dirty="0">
+              <a:effectLst/>
+              <a:ea typeface="PMingLiU" panose="02020500000000000000" pitchFamily="18" charset="-120"/>
+              <a:cs typeface="Times New Roman" panose="02020603050405020304" pitchFamily="18" charset="0"/>
+            </a:endParaRPr>
+          </a:p>
+          <a:p>
+            <a:pPr marL="0" marR="0">
+              <a:spcBef>
+                <a:spcPts val="0"/>
+              </a:spcBef>
+              <a:spcAft>
+                <a:spcPts val="0"/>
+              </a:spcAft>
+            </a:pPr>
+            <a:r>
+              <a:rPr lang="zh-TW" sz="1800" dirty="0">
+                <a:effectLst/>
+                <a:ea typeface="PMingLiU" panose="02020500000000000000" pitchFamily="18" charset="-120"/>
+                <a:cs typeface="Times New Roman" panose="02020603050405020304" pitchFamily="18" charset="0"/>
+              </a:rPr>
+              <a:t>週末入住： 偏高</a:t>
+            </a:r>
+            <a:r>
+              <a:rPr lang="en-US" sz="1800" dirty="0">
+                <a:effectLst/>
+                <a:ea typeface="PMingLiU" panose="02020500000000000000" pitchFamily="18" charset="-120"/>
+                <a:cs typeface="Times New Roman" panose="02020603050405020304" pitchFamily="18" charset="0"/>
+              </a:rPr>
+              <a:t> (86%)</a:t>
+            </a:r>
+          </a:p>
+          <a:p>
+            <a:pPr marL="0" marR="0">
+              <a:spcBef>
+                <a:spcPts val="0"/>
+              </a:spcBef>
+              <a:spcAft>
+                <a:spcPts val="0"/>
+              </a:spcAft>
+            </a:pPr>
+            <a:r>
+              <a:rPr lang="zh-TW" sz="1800" dirty="0">
+                <a:effectLst/>
+                <a:ea typeface="PMingLiU" panose="02020500000000000000" pitchFamily="18" charset="-120"/>
+                <a:cs typeface="Times New Roman" panose="02020603050405020304" pitchFamily="18" charset="0"/>
+              </a:rPr>
+              <a:t>特殊需求： 中高</a:t>
+            </a:r>
+            <a:r>
+              <a:rPr lang="en-US" sz="1800" dirty="0">
+                <a:effectLst/>
+                <a:ea typeface="PMingLiU" panose="02020500000000000000" pitchFamily="18" charset="-120"/>
+                <a:cs typeface="Times New Roman" panose="02020603050405020304" pitchFamily="18" charset="0"/>
+              </a:rPr>
+              <a:t> (1.14)</a:t>
+            </a:r>
+          </a:p>
+          <a:p>
+            <a:pPr marL="0" marR="0">
+              <a:spcBef>
+                <a:spcPts val="0"/>
+              </a:spcBef>
+              <a:spcAft>
+                <a:spcPts val="0"/>
+              </a:spcAft>
+            </a:pPr>
+            <a:r>
+              <a:rPr lang="zh-TW" sz="1800" dirty="0">
+                <a:effectLst/>
+                <a:ea typeface="PMingLiU" panose="02020500000000000000" pitchFamily="18" charset="-120"/>
+                <a:cs typeface="Times New Roman" panose="02020603050405020304" pitchFamily="18" charset="0"/>
+              </a:rPr>
+              <a:t>平均營收：</a:t>
+            </a:r>
+            <a:r>
+              <a:rPr lang="en-US" sz="1800" dirty="0">
+                <a:effectLst/>
+                <a:ea typeface="PMingLiU" panose="02020500000000000000" pitchFamily="18" charset="-120"/>
+                <a:cs typeface="Times New Roman" panose="02020603050405020304" pitchFamily="18" charset="0"/>
+              </a:rPr>
+              <a:t> $643</a:t>
+            </a:r>
+          </a:p>
+          <a:p>
+            <a:pPr marL="0" marR="0" indent="0">
+              <a:spcBef>
+                <a:spcPts val="0"/>
+              </a:spcBef>
+              <a:spcAft>
+                <a:spcPts val="0"/>
+              </a:spcAft>
+              <a:buNone/>
+            </a:pPr>
+            <a:endParaRPr lang="en-US" altLang="zh-TW" sz="1800" dirty="0">
+              <a:effectLst/>
+              <a:ea typeface="PMingLiU" panose="02020500000000000000" pitchFamily="18" charset="-120"/>
+              <a:cs typeface="Times New Roman" panose="02020603050405020304" pitchFamily="18" charset="0"/>
+            </a:endParaRPr>
+          </a:p>
+          <a:p>
+            <a:pPr marL="0" marR="0" indent="0">
+              <a:spcBef>
+                <a:spcPts val="0"/>
+              </a:spcBef>
+              <a:spcAft>
+                <a:spcPts val="0"/>
+              </a:spcAft>
+              <a:buNone/>
+            </a:pPr>
+            <a:r>
+              <a:rPr lang="zh-TW" sz="1800" dirty="0">
+                <a:effectLst/>
+                <a:ea typeface="PMingLiU" panose="02020500000000000000" pitchFamily="18" charset="-120"/>
+                <a:cs typeface="Times New Roman" panose="02020603050405020304" pitchFamily="18" charset="0"/>
+              </a:rPr>
+              <a:t>解讀：</a:t>
+            </a:r>
+            <a:r>
+              <a:rPr lang="zh-TW" sz="1800" b="1" dirty="0">
+                <a:solidFill>
+                  <a:srgbClr val="FF0000"/>
+                </a:solidFill>
+                <a:effectLst/>
+                <a:ea typeface="PMingLiU" panose="02020500000000000000" pitchFamily="18" charset="-120"/>
+                <a:cs typeface="Times New Roman" panose="02020603050405020304" pitchFamily="18" charset="0"/>
+              </a:rPr>
+              <a:t>長住、高價旅客</a:t>
+            </a:r>
+            <a:endParaRPr lang="en-US" sz="1800" b="1" dirty="0">
+              <a:solidFill>
+                <a:srgbClr val="FF0000"/>
+              </a:solidFill>
+              <a:effectLst/>
+              <a:ea typeface="PMingLiU" panose="02020500000000000000" pitchFamily="18" charset="-120"/>
+              <a:cs typeface="Times New Roman" panose="02020603050405020304" pitchFamily="18" charset="0"/>
+            </a:endParaRPr>
+          </a:p>
+          <a:p>
+            <a:pPr marL="0" marR="0">
+              <a:spcBef>
+                <a:spcPts val="0"/>
+              </a:spcBef>
+              <a:spcAft>
+                <a:spcPts val="0"/>
+              </a:spcAft>
+            </a:pPr>
+            <a:r>
+              <a:rPr lang="zh-TW" sz="1800" dirty="0">
+                <a:effectLst/>
+                <a:ea typeface="PMingLiU" panose="02020500000000000000" pitchFamily="18" charset="-120"/>
+                <a:cs typeface="Times New Roman" panose="02020603050405020304" pitchFamily="18" charset="0"/>
+              </a:rPr>
+              <a:t>多是雙人長住，對設施或服務有要求，屬於「高消費長住型」。</a:t>
+            </a:r>
+            <a:endParaRPr lang="en-US" sz="1800" dirty="0">
+              <a:effectLst/>
+              <a:ea typeface="PMingLiU" panose="02020500000000000000" pitchFamily="18" charset="-120"/>
+              <a:cs typeface="Times New Roman" panose="02020603050405020304" pitchFamily="18" charset="0"/>
+            </a:endParaRPr>
+          </a:p>
+          <a:p>
+            <a:endParaRPr lang="en-US" dirty="0"/>
+          </a:p>
+        </p:txBody>
+      </p:sp>
+      <p:sp>
+        <p:nvSpPr>
+          <p:cNvPr id="5" name="Content Placeholder 2">
+            <a:extLst>
+              <a:ext uri="{FF2B5EF4-FFF2-40B4-BE49-F238E27FC236}">
+                <a16:creationId xmlns:a16="http://schemas.microsoft.com/office/drawing/2014/main" id="{070AD2C2-BE7A-4730-F14A-6AD881FB2D56}"/>
+              </a:ext>
+            </a:extLst>
+          </p:cNvPr>
+          <p:cNvSpPr txBox="1">
+            <a:spLocks/>
+          </p:cNvSpPr>
+          <p:nvPr/>
+        </p:nvSpPr>
+        <p:spPr>
+          <a:xfrm>
+            <a:off x="1052420" y="3512929"/>
+            <a:ext cx="4107611" cy="3355975"/>
+          </a:xfrm>
+          <a:prstGeom prst="rect">
+            <a:avLst/>
+          </a:prstGeom>
+        </p:spPr>
+        <p:txBody>
+          <a:bodyPr vert="horz" lIns="91440" tIns="45720" rIns="91440" bIns="45720" rtlCol="0">
+            <a:normAutofit/>
+          </a:bodyPr>
+          <a:lstStyle>
+            <a:lvl1pPr marL="228600" indent="-228600" algn="l" defTabSz="914400" rtl="0" eaLnBrk="1" latinLnBrk="0" hangingPunct="1">
+              <a:lnSpc>
+                <a:spcPct val="90000"/>
+              </a:lnSpc>
+              <a:spcBef>
+                <a:spcPts val="1000"/>
+              </a:spcBef>
+              <a:buFont typeface="Arial" panose="020B0604020202020204" pitchFamily="34" charset="0"/>
+              <a:buChar char="•"/>
+              <a:defRPr sz="2800" kern="1200">
+                <a:solidFill>
+                  <a:schemeClr val="tx1"/>
+                </a:solidFill>
+                <a:latin typeface="+mn-lt"/>
+                <a:ea typeface="+mn-ea"/>
+                <a:cs typeface="+mn-cs"/>
+              </a:defRPr>
+            </a:lvl1pPr>
+            <a:lvl2pPr marL="685800" indent="-228600" algn="l" defTabSz="914400" rtl="0" eaLnBrk="1" latinLnBrk="0" hangingPunct="1">
+              <a:lnSpc>
+                <a:spcPct val="90000"/>
+              </a:lnSpc>
+              <a:spcBef>
+                <a:spcPts val="500"/>
+              </a:spcBef>
+              <a:buFont typeface="Arial" panose="020B0604020202020204" pitchFamily="34" charset="0"/>
+              <a:buChar char="•"/>
+              <a:defRPr sz="2400" kern="1200">
+                <a:solidFill>
+                  <a:schemeClr val="tx1"/>
+                </a:solidFill>
+                <a:latin typeface="+mn-lt"/>
+                <a:ea typeface="+mn-ea"/>
+                <a:cs typeface="+mn-cs"/>
+              </a:defRPr>
+            </a:lvl2pPr>
+            <a:lvl3pPr marL="1143000" indent="-228600" algn="l" defTabSz="914400" rtl="0" eaLnBrk="1" latinLnBrk="0" hangingPunct="1">
+              <a:lnSpc>
+                <a:spcPct val="90000"/>
+              </a:lnSpc>
+              <a:spcBef>
+                <a:spcPts val="500"/>
+              </a:spcBef>
+              <a:buFont typeface="Arial" panose="020B0604020202020204" pitchFamily="34" charset="0"/>
+              <a:buChar char="•"/>
+              <a:defRPr sz="2000" kern="1200">
+                <a:solidFill>
+                  <a:schemeClr val="tx1"/>
+                </a:solidFill>
+                <a:latin typeface="+mn-lt"/>
+                <a:ea typeface="+mn-ea"/>
+                <a:cs typeface="+mn-cs"/>
+              </a:defRPr>
+            </a:lvl3pPr>
+            <a:lvl4pPr marL="1600200" indent="-228600" algn="l" defTabSz="914400" rtl="0" eaLnBrk="1" latinLnBrk="0" hangingPunct="1">
+              <a:lnSpc>
+                <a:spcPct val="90000"/>
+              </a:lnSpc>
+              <a:spcBef>
+                <a:spcPts val="500"/>
+              </a:spcBef>
+              <a:buFont typeface="Arial" panose="020B0604020202020204" pitchFamily="34" charset="0"/>
+              <a:buChar char="•"/>
+              <a:defRPr sz="1800" kern="1200">
+                <a:solidFill>
+                  <a:schemeClr val="tx1"/>
+                </a:solidFill>
+                <a:latin typeface="+mn-lt"/>
+                <a:ea typeface="+mn-ea"/>
+                <a:cs typeface="+mn-cs"/>
+              </a:defRPr>
+            </a:lvl4pPr>
+            <a:lvl5pPr marL="2057400" indent="-228600" algn="l" defTabSz="914400" rtl="0" eaLnBrk="1" latinLnBrk="0" hangingPunct="1">
+              <a:lnSpc>
+                <a:spcPct val="90000"/>
+              </a:lnSpc>
+              <a:spcBef>
+                <a:spcPts val="500"/>
+              </a:spcBef>
+              <a:buFont typeface="Arial" panose="020B0604020202020204" pitchFamily="34" charset="0"/>
+              <a:buChar char="•"/>
+              <a:defRPr sz="1800" kern="1200">
+                <a:solidFill>
+                  <a:schemeClr val="tx1"/>
+                </a:solidFill>
+                <a:latin typeface="+mn-lt"/>
+                <a:ea typeface="+mn-ea"/>
+                <a:cs typeface="+mn-cs"/>
+              </a:defRPr>
+            </a:lvl5pPr>
+            <a:lvl6pPr marL="2514600" indent="-228600" algn="l" defTabSz="914400" rtl="0" eaLnBrk="1" latinLnBrk="0" hangingPunct="1">
+              <a:lnSpc>
+                <a:spcPct val="90000"/>
+              </a:lnSpc>
+              <a:spcBef>
+                <a:spcPts val="500"/>
+              </a:spcBef>
+              <a:buFont typeface="Arial" panose="020B0604020202020204" pitchFamily="34" charset="0"/>
+              <a:buChar char="•"/>
+              <a:defRPr sz="1800" kern="1200">
+                <a:solidFill>
+                  <a:schemeClr val="tx1"/>
+                </a:solidFill>
+                <a:latin typeface="+mn-lt"/>
+                <a:ea typeface="+mn-ea"/>
+                <a:cs typeface="+mn-cs"/>
+              </a:defRPr>
+            </a:lvl6pPr>
+            <a:lvl7pPr marL="2971800" indent="-228600" algn="l" defTabSz="914400" rtl="0" eaLnBrk="1" latinLnBrk="0" hangingPunct="1">
+              <a:lnSpc>
+                <a:spcPct val="90000"/>
+              </a:lnSpc>
+              <a:spcBef>
+                <a:spcPts val="500"/>
+              </a:spcBef>
+              <a:buFont typeface="Arial" panose="020B0604020202020204" pitchFamily="34" charset="0"/>
+              <a:buChar char="•"/>
+              <a:defRPr sz="1800" kern="1200">
+                <a:solidFill>
+                  <a:schemeClr val="tx1"/>
+                </a:solidFill>
+                <a:latin typeface="+mn-lt"/>
+                <a:ea typeface="+mn-ea"/>
+                <a:cs typeface="+mn-cs"/>
+              </a:defRPr>
+            </a:lvl7pPr>
+            <a:lvl8pPr marL="3429000" indent="-228600" algn="l" defTabSz="914400" rtl="0" eaLnBrk="1" latinLnBrk="0" hangingPunct="1">
+              <a:lnSpc>
+                <a:spcPct val="90000"/>
+              </a:lnSpc>
+              <a:spcBef>
+                <a:spcPts val="500"/>
+              </a:spcBef>
+              <a:buFont typeface="Arial" panose="020B0604020202020204" pitchFamily="34" charset="0"/>
+              <a:buChar char="•"/>
+              <a:defRPr sz="1800" kern="1200">
+                <a:solidFill>
+                  <a:schemeClr val="tx1"/>
+                </a:solidFill>
+                <a:latin typeface="+mn-lt"/>
+                <a:ea typeface="+mn-ea"/>
+                <a:cs typeface="+mn-cs"/>
+              </a:defRPr>
+            </a:lvl8pPr>
+            <a:lvl9pPr marL="3886200" indent="-228600" algn="l" defTabSz="914400" rtl="0" eaLnBrk="1" latinLnBrk="0" hangingPunct="1">
+              <a:lnSpc>
+                <a:spcPct val="90000"/>
+              </a:lnSpc>
+              <a:spcBef>
+                <a:spcPts val="500"/>
+              </a:spcBef>
+              <a:buFont typeface="Arial" panose="020B0604020202020204" pitchFamily="34" charset="0"/>
+              <a:buChar char="•"/>
+              <a:defRPr sz="1800" kern="1200">
+                <a:solidFill>
+                  <a:schemeClr val="tx1"/>
+                </a:solidFill>
+                <a:latin typeface="+mn-lt"/>
+                <a:ea typeface="+mn-ea"/>
+                <a:cs typeface="+mn-cs"/>
+              </a:defRPr>
+            </a:lvl9pPr>
+          </a:lstStyle>
+          <a:p>
+            <a:pPr marL="0" marR="0" indent="0">
+              <a:spcBef>
+                <a:spcPts val="0"/>
+              </a:spcBef>
+              <a:spcAft>
+                <a:spcPts val="0"/>
+              </a:spcAft>
+              <a:buNone/>
+            </a:pPr>
+            <a:r>
+              <a:rPr lang="en-US" sz="1800" dirty="0">
+                <a:effectLst/>
+                <a:ea typeface="PMingLiU" panose="02020500000000000000" pitchFamily="18" charset="-120"/>
+                <a:cs typeface="Times New Roman" panose="02020603050405020304" pitchFamily="18" charset="0"/>
+              </a:rPr>
+              <a:t>Cluster 2</a:t>
+            </a:r>
+          </a:p>
+          <a:p>
+            <a:pPr marL="0" marR="0">
+              <a:spcBef>
+                <a:spcPts val="0"/>
+              </a:spcBef>
+              <a:spcAft>
+                <a:spcPts val="0"/>
+              </a:spcAft>
+            </a:pPr>
+            <a:r>
+              <a:rPr lang="en-US" sz="1800" dirty="0">
+                <a:effectLst/>
+                <a:ea typeface="PMingLiU" panose="02020500000000000000" pitchFamily="18" charset="-120"/>
+                <a:cs typeface="Times New Roman" panose="02020603050405020304" pitchFamily="18" charset="0"/>
+              </a:rPr>
+              <a:t>ADR</a:t>
+            </a:r>
+            <a:r>
+              <a:rPr lang="zh-TW" sz="1800" dirty="0">
+                <a:effectLst/>
+                <a:ea typeface="PMingLiU" panose="02020500000000000000" pitchFamily="18" charset="-120"/>
+                <a:cs typeface="Times New Roman" panose="02020603050405020304" pitchFamily="18" charset="0"/>
+              </a:rPr>
+              <a:t>：</a:t>
+            </a:r>
+            <a:r>
+              <a:rPr lang="en-US" sz="1800" dirty="0">
+                <a:effectLst/>
+                <a:ea typeface="PMingLiU" panose="02020500000000000000" pitchFamily="18" charset="-120"/>
+                <a:cs typeface="Times New Roman" panose="02020603050405020304" pitchFamily="18" charset="0"/>
+              </a:rPr>
+              <a:t> $98.4</a:t>
+            </a:r>
+          </a:p>
+          <a:p>
+            <a:pPr marL="0" marR="0">
+              <a:spcBef>
+                <a:spcPts val="0"/>
+              </a:spcBef>
+              <a:spcAft>
+                <a:spcPts val="0"/>
+              </a:spcAft>
+            </a:pPr>
+            <a:r>
+              <a:rPr lang="zh-TW" sz="1800" dirty="0">
+                <a:effectLst/>
+                <a:ea typeface="PMingLiU" panose="02020500000000000000" pitchFamily="18" charset="-120"/>
+                <a:cs typeface="Times New Roman" panose="02020603050405020304" pitchFamily="18" charset="0"/>
+              </a:rPr>
+              <a:t>平均入住夜數：</a:t>
+            </a:r>
+            <a:r>
+              <a:rPr lang="en-US" sz="1800" dirty="0">
+                <a:effectLst/>
+                <a:ea typeface="PMingLiU" panose="02020500000000000000" pitchFamily="18" charset="-120"/>
+                <a:cs typeface="Times New Roman" panose="02020603050405020304" pitchFamily="18" charset="0"/>
+              </a:rPr>
+              <a:t> 2 </a:t>
+            </a:r>
+            <a:r>
+              <a:rPr lang="zh-TW" sz="1800" dirty="0">
+                <a:effectLst/>
+                <a:ea typeface="PMingLiU" panose="02020500000000000000" pitchFamily="18" charset="-120"/>
+                <a:cs typeface="Times New Roman" panose="02020603050405020304" pitchFamily="18" charset="0"/>
+              </a:rPr>
+              <a:t>晚</a:t>
+            </a:r>
+            <a:endParaRPr lang="en-US" sz="1800" dirty="0">
+              <a:effectLst/>
+              <a:ea typeface="PMingLiU" panose="02020500000000000000" pitchFamily="18" charset="-120"/>
+              <a:cs typeface="Times New Roman" panose="02020603050405020304" pitchFamily="18" charset="0"/>
+            </a:endParaRPr>
+          </a:p>
+          <a:p>
+            <a:pPr marL="0" marR="0">
+              <a:spcBef>
+                <a:spcPts val="0"/>
+              </a:spcBef>
+              <a:spcAft>
+                <a:spcPts val="0"/>
+              </a:spcAft>
+            </a:pPr>
+            <a:r>
+              <a:rPr lang="zh-TW" sz="1800" dirty="0">
+                <a:effectLst/>
+                <a:ea typeface="PMingLiU" panose="02020500000000000000" pitchFamily="18" charset="-120"/>
+                <a:cs typeface="Times New Roman" panose="02020603050405020304" pitchFamily="18" charset="0"/>
+              </a:rPr>
+              <a:t>主要旅客：</a:t>
+            </a:r>
+            <a:r>
+              <a:rPr lang="en-US" sz="1800" dirty="0">
+                <a:effectLst/>
+                <a:ea typeface="PMingLiU" panose="02020500000000000000" pitchFamily="18" charset="-120"/>
+                <a:cs typeface="Times New Roman" panose="02020603050405020304" pitchFamily="18" charset="0"/>
+              </a:rPr>
+              <a:t> 1</a:t>
+            </a:r>
+            <a:r>
+              <a:rPr lang="zh-TW" sz="1800" dirty="0">
+                <a:effectLst/>
+                <a:ea typeface="PMingLiU" panose="02020500000000000000" pitchFamily="18" charset="-120"/>
+                <a:cs typeface="Times New Roman" panose="02020603050405020304" pitchFamily="18" charset="0"/>
+              </a:rPr>
+              <a:t>–</a:t>
+            </a:r>
+            <a:r>
+              <a:rPr lang="en-US" sz="1800" dirty="0">
+                <a:effectLst/>
+                <a:ea typeface="PMingLiU" panose="02020500000000000000" pitchFamily="18" charset="-120"/>
+                <a:cs typeface="Times New Roman" panose="02020603050405020304" pitchFamily="18" charset="0"/>
+              </a:rPr>
+              <a:t>2 </a:t>
+            </a:r>
+            <a:r>
+              <a:rPr lang="zh-TW" sz="1800" dirty="0">
+                <a:effectLst/>
+                <a:ea typeface="PMingLiU" panose="02020500000000000000" pitchFamily="18" charset="-120"/>
+                <a:cs typeface="Times New Roman" panose="02020603050405020304" pitchFamily="18" charset="0"/>
+              </a:rPr>
+              <a:t>位成人，無小孩</a:t>
+            </a:r>
+            <a:endParaRPr lang="en-US" sz="1800" dirty="0">
+              <a:effectLst/>
+              <a:ea typeface="PMingLiU" panose="02020500000000000000" pitchFamily="18" charset="-120"/>
+              <a:cs typeface="Times New Roman" panose="02020603050405020304" pitchFamily="18" charset="0"/>
+            </a:endParaRPr>
+          </a:p>
+          <a:p>
+            <a:pPr marL="0" marR="0">
+              <a:spcBef>
+                <a:spcPts val="0"/>
+              </a:spcBef>
+              <a:spcAft>
+                <a:spcPts val="0"/>
+              </a:spcAft>
+            </a:pPr>
+            <a:r>
+              <a:rPr lang="zh-TW" sz="1800" dirty="0">
+                <a:effectLst/>
+                <a:ea typeface="PMingLiU" panose="02020500000000000000" pitchFamily="18" charset="-120"/>
+                <a:cs typeface="Times New Roman" panose="02020603050405020304" pitchFamily="18" charset="0"/>
+              </a:rPr>
+              <a:t>家庭比例： 幾乎不是家庭</a:t>
+            </a:r>
+            <a:endParaRPr lang="en-US" sz="1800" dirty="0">
+              <a:effectLst/>
+              <a:ea typeface="PMingLiU" panose="02020500000000000000" pitchFamily="18" charset="-120"/>
+              <a:cs typeface="Times New Roman" panose="02020603050405020304" pitchFamily="18" charset="0"/>
+            </a:endParaRPr>
+          </a:p>
+          <a:p>
+            <a:pPr marL="0" marR="0">
+              <a:spcBef>
+                <a:spcPts val="0"/>
+              </a:spcBef>
+              <a:spcAft>
+                <a:spcPts val="0"/>
+              </a:spcAft>
+            </a:pPr>
+            <a:r>
+              <a:rPr lang="zh-TW" sz="1800" dirty="0">
+                <a:effectLst/>
+                <a:ea typeface="PMingLiU" panose="02020500000000000000" pitchFamily="18" charset="-120"/>
+                <a:cs typeface="Times New Roman" panose="02020603050405020304" pitchFamily="18" charset="0"/>
+              </a:rPr>
+              <a:t>週末入住： 幾乎不是週末</a:t>
+            </a:r>
+            <a:r>
+              <a:rPr lang="en-US" sz="1800" dirty="0">
+                <a:effectLst/>
+                <a:ea typeface="PMingLiU" panose="02020500000000000000" pitchFamily="18" charset="-120"/>
+                <a:cs typeface="Times New Roman" panose="02020603050405020304" pitchFamily="18" charset="0"/>
+              </a:rPr>
+              <a:t> (0%)</a:t>
+            </a:r>
+          </a:p>
+          <a:p>
+            <a:pPr marL="0" marR="0">
+              <a:spcBef>
+                <a:spcPts val="0"/>
+              </a:spcBef>
+              <a:spcAft>
+                <a:spcPts val="0"/>
+              </a:spcAft>
+            </a:pPr>
+            <a:r>
+              <a:rPr lang="zh-TW" sz="1800" dirty="0">
+                <a:effectLst/>
+                <a:ea typeface="PMingLiU" panose="02020500000000000000" pitchFamily="18" charset="-120"/>
+                <a:cs typeface="Times New Roman" panose="02020603050405020304" pitchFamily="18" charset="0"/>
+              </a:rPr>
+              <a:t>特殊需求： 少</a:t>
+            </a:r>
+            <a:r>
+              <a:rPr lang="en-US" sz="1800" dirty="0">
+                <a:effectLst/>
+                <a:ea typeface="PMingLiU" panose="02020500000000000000" pitchFamily="18" charset="-120"/>
+                <a:cs typeface="Times New Roman" panose="02020603050405020304" pitchFamily="18" charset="0"/>
+              </a:rPr>
+              <a:t> (0.45)</a:t>
+            </a:r>
+          </a:p>
+          <a:p>
+            <a:pPr marL="0" marR="0">
+              <a:spcBef>
+                <a:spcPts val="0"/>
+              </a:spcBef>
+              <a:spcAft>
+                <a:spcPts val="0"/>
+              </a:spcAft>
+            </a:pPr>
+            <a:r>
+              <a:rPr lang="zh-TW" sz="1800" dirty="0">
+                <a:effectLst/>
+                <a:ea typeface="PMingLiU" panose="02020500000000000000" pitchFamily="18" charset="-120"/>
+                <a:cs typeface="Times New Roman" panose="02020603050405020304" pitchFamily="18" charset="0"/>
+              </a:rPr>
+              <a:t>平均營收：</a:t>
+            </a:r>
+            <a:r>
+              <a:rPr lang="en-US" sz="1800" dirty="0">
+                <a:effectLst/>
+                <a:ea typeface="PMingLiU" panose="02020500000000000000" pitchFamily="18" charset="-120"/>
+                <a:cs typeface="Times New Roman" panose="02020603050405020304" pitchFamily="18" charset="0"/>
+              </a:rPr>
+              <a:t> $203</a:t>
+            </a:r>
+          </a:p>
+          <a:p>
+            <a:pPr marL="0" marR="0" indent="0">
+              <a:spcBef>
+                <a:spcPts val="0"/>
+              </a:spcBef>
+              <a:spcAft>
+                <a:spcPts val="0"/>
+              </a:spcAft>
+              <a:buNone/>
+            </a:pPr>
+            <a:endParaRPr lang="en-US" altLang="zh-TW" sz="1800" dirty="0">
+              <a:effectLst/>
+              <a:ea typeface="PMingLiU" panose="02020500000000000000" pitchFamily="18" charset="-120"/>
+              <a:cs typeface="Times New Roman" panose="02020603050405020304" pitchFamily="18" charset="0"/>
+            </a:endParaRPr>
+          </a:p>
+          <a:p>
+            <a:pPr marL="0" marR="0" indent="0">
+              <a:spcBef>
+                <a:spcPts val="0"/>
+              </a:spcBef>
+              <a:spcAft>
+                <a:spcPts val="0"/>
+              </a:spcAft>
+              <a:buNone/>
+            </a:pPr>
+            <a:r>
+              <a:rPr lang="zh-TW" sz="1800" dirty="0">
+                <a:effectLst/>
+                <a:ea typeface="PMingLiU" panose="02020500000000000000" pitchFamily="18" charset="-120"/>
+                <a:cs typeface="Times New Roman" panose="02020603050405020304" pitchFamily="18" charset="0"/>
+              </a:rPr>
+              <a:t>解讀：</a:t>
+            </a:r>
+            <a:r>
+              <a:rPr lang="zh-TW" sz="1800" b="1" dirty="0">
+                <a:solidFill>
+                  <a:srgbClr val="FF0000"/>
+                </a:solidFill>
+                <a:effectLst/>
+                <a:ea typeface="PMingLiU" panose="02020500000000000000" pitchFamily="18" charset="-120"/>
+                <a:cs typeface="Times New Roman" panose="02020603050405020304" pitchFamily="18" charset="0"/>
+              </a:rPr>
+              <a:t>短期、平日商務型旅客</a:t>
+            </a:r>
+            <a:endParaRPr lang="en-US" sz="1800" b="1" dirty="0">
+              <a:solidFill>
+                <a:srgbClr val="FF0000"/>
+              </a:solidFill>
+              <a:effectLst/>
+              <a:ea typeface="PMingLiU" panose="02020500000000000000" pitchFamily="18" charset="-120"/>
+              <a:cs typeface="Times New Roman" panose="02020603050405020304" pitchFamily="18" charset="0"/>
+            </a:endParaRPr>
+          </a:p>
+          <a:p>
+            <a:pPr marL="0" marR="0">
+              <a:spcBef>
+                <a:spcPts val="0"/>
+              </a:spcBef>
+              <a:spcAft>
+                <a:spcPts val="0"/>
+              </a:spcAft>
+            </a:pPr>
+            <a:r>
+              <a:rPr lang="zh-TW" sz="1800" dirty="0">
+                <a:effectLst/>
+                <a:ea typeface="PMingLiU" panose="02020500000000000000" pitchFamily="18" charset="-120"/>
+                <a:cs typeface="Times New Roman" panose="02020603050405020304" pitchFamily="18" charset="0"/>
+              </a:rPr>
+              <a:t>通常是商務出差或短期停留，非週末，單人或雙人。</a:t>
+            </a:r>
+            <a:endParaRPr lang="en-US" sz="1800" dirty="0">
+              <a:effectLst/>
+              <a:ea typeface="PMingLiU" panose="02020500000000000000" pitchFamily="18" charset="-120"/>
+              <a:cs typeface="Times New Roman" panose="02020603050405020304" pitchFamily="18" charset="0"/>
+            </a:endParaRPr>
+          </a:p>
+        </p:txBody>
+      </p:sp>
+      <p:sp>
+        <p:nvSpPr>
+          <p:cNvPr id="6" name="Content Placeholder 2">
+            <a:extLst>
+              <a:ext uri="{FF2B5EF4-FFF2-40B4-BE49-F238E27FC236}">
+                <a16:creationId xmlns:a16="http://schemas.microsoft.com/office/drawing/2014/main" id="{BB47769F-F41B-1B4B-01A0-0B58D00FC8E5}"/>
+              </a:ext>
+            </a:extLst>
+          </p:cNvPr>
+          <p:cNvSpPr txBox="1">
+            <a:spLocks/>
+          </p:cNvSpPr>
+          <p:nvPr/>
+        </p:nvSpPr>
+        <p:spPr>
+          <a:xfrm>
+            <a:off x="7031967" y="3512929"/>
+            <a:ext cx="4262886" cy="3355975"/>
+          </a:xfrm>
+          <a:prstGeom prst="rect">
+            <a:avLst/>
+          </a:prstGeom>
+        </p:spPr>
+        <p:txBody>
+          <a:bodyPr vert="horz" lIns="91440" tIns="45720" rIns="91440" bIns="45720" rtlCol="0">
+            <a:normAutofit/>
+          </a:bodyPr>
+          <a:lstStyle>
+            <a:lvl1pPr marL="228600" indent="-228600" algn="l" defTabSz="914400" rtl="0" eaLnBrk="1" latinLnBrk="0" hangingPunct="1">
+              <a:lnSpc>
+                <a:spcPct val="90000"/>
+              </a:lnSpc>
+              <a:spcBef>
+                <a:spcPts val="1000"/>
+              </a:spcBef>
+              <a:buFont typeface="Arial" panose="020B0604020202020204" pitchFamily="34" charset="0"/>
+              <a:buChar char="•"/>
+              <a:defRPr sz="2800" kern="1200">
+                <a:solidFill>
+                  <a:schemeClr val="tx1"/>
+                </a:solidFill>
+                <a:latin typeface="+mn-lt"/>
+                <a:ea typeface="+mn-ea"/>
+                <a:cs typeface="+mn-cs"/>
+              </a:defRPr>
+            </a:lvl1pPr>
+            <a:lvl2pPr marL="685800" indent="-228600" algn="l" defTabSz="914400" rtl="0" eaLnBrk="1" latinLnBrk="0" hangingPunct="1">
+              <a:lnSpc>
+                <a:spcPct val="90000"/>
+              </a:lnSpc>
+              <a:spcBef>
+                <a:spcPts val="500"/>
+              </a:spcBef>
+              <a:buFont typeface="Arial" panose="020B0604020202020204" pitchFamily="34" charset="0"/>
+              <a:buChar char="•"/>
+              <a:defRPr sz="2400" kern="1200">
+                <a:solidFill>
+                  <a:schemeClr val="tx1"/>
+                </a:solidFill>
+                <a:latin typeface="+mn-lt"/>
+                <a:ea typeface="+mn-ea"/>
+                <a:cs typeface="+mn-cs"/>
+              </a:defRPr>
+            </a:lvl2pPr>
+            <a:lvl3pPr marL="1143000" indent="-228600" algn="l" defTabSz="914400" rtl="0" eaLnBrk="1" latinLnBrk="0" hangingPunct="1">
+              <a:lnSpc>
+                <a:spcPct val="90000"/>
+              </a:lnSpc>
+              <a:spcBef>
+                <a:spcPts val="500"/>
+              </a:spcBef>
+              <a:buFont typeface="Arial" panose="020B0604020202020204" pitchFamily="34" charset="0"/>
+              <a:buChar char="•"/>
+              <a:defRPr sz="2000" kern="1200">
+                <a:solidFill>
+                  <a:schemeClr val="tx1"/>
+                </a:solidFill>
+                <a:latin typeface="+mn-lt"/>
+                <a:ea typeface="+mn-ea"/>
+                <a:cs typeface="+mn-cs"/>
+              </a:defRPr>
+            </a:lvl3pPr>
+            <a:lvl4pPr marL="1600200" indent="-228600" algn="l" defTabSz="914400" rtl="0" eaLnBrk="1" latinLnBrk="0" hangingPunct="1">
+              <a:lnSpc>
+                <a:spcPct val="90000"/>
+              </a:lnSpc>
+              <a:spcBef>
+                <a:spcPts val="500"/>
+              </a:spcBef>
+              <a:buFont typeface="Arial" panose="020B0604020202020204" pitchFamily="34" charset="0"/>
+              <a:buChar char="•"/>
+              <a:defRPr sz="1800" kern="1200">
+                <a:solidFill>
+                  <a:schemeClr val="tx1"/>
+                </a:solidFill>
+                <a:latin typeface="+mn-lt"/>
+                <a:ea typeface="+mn-ea"/>
+                <a:cs typeface="+mn-cs"/>
+              </a:defRPr>
+            </a:lvl4pPr>
+            <a:lvl5pPr marL="2057400" indent="-228600" algn="l" defTabSz="914400" rtl="0" eaLnBrk="1" latinLnBrk="0" hangingPunct="1">
+              <a:lnSpc>
+                <a:spcPct val="90000"/>
+              </a:lnSpc>
+              <a:spcBef>
+                <a:spcPts val="500"/>
+              </a:spcBef>
+              <a:buFont typeface="Arial" panose="020B0604020202020204" pitchFamily="34" charset="0"/>
+              <a:buChar char="•"/>
+              <a:defRPr sz="1800" kern="1200">
+                <a:solidFill>
+                  <a:schemeClr val="tx1"/>
+                </a:solidFill>
+                <a:latin typeface="+mn-lt"/>
+                <a:ea typeface="+mn-ea"/>
+                <a:cs typeface="+mn-cs"/>
+              </a:defRPr>
+            </a:lvl5pPr>
+            <a:lvl6pPr marL="2514600" indent="-228600" algn="l" defTabSz="914400" rtl="0" eaLnBrk="1" latinLnBrk="0" hangingPunct="1">
+              <a:lnSpc>
+                <a:spcPct val="90000"/>
+              </a:lnSpc>
+              <a:spcBef>
+                <a:spcPts val="500"/>
+              </a:spcBef>
+              <a:buFont typeface="Arial" panose="020B0604020202020204" pitchFamily="34" charset="0"/>
+              <a:buChar char="•"/>
+              <a:defRPr sz="1800" kern="1200">
+                <a:solidFill>
+                  <a:schemeClr val="tx1"/>
+                </a:solidFill>
+                <a:latin typeface="+mn-lt"/>
+                <a:ea typeface="+mn-ea"/>
+                <a:cs typeface="+mn-cs"/>
+              </a:defRPr>
+            </a:lvl6pPr>
+            <a:lvl7pPr marL="2971800" indent="-228600" algn="l" defTabSz="914400" rtl="0" eaLnBrk="1" latinLnBrk="0" hangingPunct="1">
+              <a:lnSpc>
+                <a:spcPct val="90000"/>
+              </a:lnSpc>
+              <a:spcBef>
+                <a:spcPts val="500"/>
+              </a:spcBef>
+              <a:buFont typeface="Arial" panose="020B0604020202020204" pitchFamily="34" charset="0"/>
+              <a:buChar char="•"/>
+              <a:defRPr sz="1800" kern="1200">
+                <a:solidFill>
+                  <a:schemeClr val="tx1"/>
+                </a:solidFill>
+                <a:latin typeface="+mn-lt"/>
+                <a:ea typeface="+mn-ea"/>
+                <a:cs typeface="+mn-cs"/>
+              </a:defRPr>
+            </a:lvl7pPr>
+            <a:lvl8pPr marL="3429000" indent="-228600" algn="l" defTabSz="914400" rtl="0" eaLnBrk="1" latinLnBrk="0" hangingPunct="1">
+              <a:lnSpc>
+                <a:spcPct val="90000"/>
+              </a:lnSpc>
+              <a:spcBef>
+                <a:spcPts val="500"/>
+              </a:spcBef>
+              <a:buFont typeface="Arial" panose="020B0604020202020204" pitchFamily="34" charset="0"/>
+              <a:buChar char="•"/>
+              <a:defRPr sz="1800" kern="1200">
+                <a:solidFill>
+                  <a:schemeClr val="tx1"/>
+                </a:solidFill>
+                <a:latin typeface="+mn-lt"/>
+                <a:ea typeface="+mn-ea"/>
+                <a:cs typeface="+mn-cs"/>
+              </a:defRPr>
+            </a:lvl8pPr>
+            <a:lvl9pPr marL="3886200" indent="-228600" algn="l" defTabSz="914400" rtl="0" eaLnBrk="1" latinLnBrk="0" hangingPunct="1">
+              <a:lnSpc>
+                <a:spcPct val="90000"/>
+              </a:lnSpc>
+              <a:spcBef>
+                <a:spcPts val="500"/>
+              </a:spcBef>
+              <a:buFont typeface="Arial" panose="020B0604020202020204" pitchFamily="34" charset="0"/>
+              <a:buChar char="•"/>
+              <a:defRPr sz="1800" kern="1200">
+                <a:solidFill>
+                  <a:schemeClr val="tx1"/>
+                </a:solidFill>
+                <a:latin typeface="+mn-lt"/>
+                <a:ea typeface="+mn-ea"/>
+                <a:cs typeface="+mn-cs"/>
+              </a:defRPr>
+            </a:lvl9pPr>
+          </a:lstStyle>
+          <a:p>
+            <a:pPr marL="0" marR="0" indent="0">
+              <a:spcBef>
+                <a:spcPts val="0"/>
+              </a:spcBef>
+              <a:spcAft>
+                <a:spcPts val="0"/>
+              </a:spcAft>
+              <a:buNone/>
+            </a:pPr>
+            <a:r>
+              <a:rPr lang="en-US" sz="1800" dirty="0">
+                <a:effectLst/>
+                <a:ea typeface="PMingLiU" panose="02020500000000000000" pitchFamily="18" charset="-120"/>
+                <a:cs typeface="Times New Roman" panose="02020603050405020304" pitchFamily="18" charset="0"/>
+              </a:rPr>
+              <a:t>Cluster 3</a:t>
+            </a:r>
+          </a:p>
+          <a:p>
+            <a:pPr marL="0" marR="0">
+              <a:spcBef>
+                <a:spcPts val="0"/>
+              </a:spcBef>
+              <a:spcAft>
+                <a:spcPts val="0"/>
+              </a:spcAft>
+            </a:pPr>
+            <a:r>
+              <a:rPr lang="en-US" sz="1800" dirty="0">
+                <a:effectLst/>
+                <a:ea typeface="PMingLiU" panose="02020500000000000000" pitchFamily="18" charset="-120"/>
+                <a:cs typeface="Times New Roman" panose="02020603050405020304" pitchFamily="18" charset="0"/>
+              </a:rPr>
+              <a:t>ADR</a:t>
+            </a:r>
+            <a:r>
+              <a:rPr lang="zh-TW" sz="1800" dirty="0">
+                <a:effectLst/>
+                <a:ea typeface="PMingLiU" panose="02020500000000000000" pitchFamily="18" charset="-120"/>
+                <a:cs typeface="Times New Roman" panose="02020603050405020304" pitchFamily="18" charset="0"/>
+              </a:rPr>
+              <a:t>：</a:t>
+            </a:r>
+            <a:r>
+              <a:rPr lang="en-US" sz="1800" dirty="0">
+                <a:effectLst/>
+                <a:ea typeface="PMingLiU" panose="02020500000000000000" pitchFamily="18" charset="-120"/>
+                <a:cs typeface="Times New Roman" panose="02020603050405020304" pitchFamily="18" charset="0"/>
+              </a:rPr>
+              <a:t> $152.0</a:t>
+            </a:r>
+          </a:p>
+          <a:p>
+            <a:pPr marL="0" marR="0">
+              <a:spcBef>
+                <a:spcPts val="0"/>
+              </a:spcBef>
+              <a:spcAft>
+                <a:spcPts val="0"/>
+              </a:spcAft>
+            </a:pPr>
+            <a:r>
+              <a:rPr lang="zh-TW" sz="1800" dirty="0">
+                <a:effectLst/>
+                <a:ea typeface="PMingLiU" panose="02020500000000000000" pitchFamily="18" charset="-120"/>
+                <a:cs typeface="Times New Roman" panose="02020603050405020304" pitchFamily="18" charset="0"/>
+              </a:rPr>
+              <a:t>平均入住夜數：</a:t>
+            </a:r>
+            <a:r>
+              <a:rPr lang="en-US" sz="1800" dirty="0">
+                <a:effectLst/>
+                <a:ea typeface="PMingLiU" panose="02020500000000000000" pitchFamily="18" charset="-120"/>
+                <a:cs typeface="Times New Roman" panose="02020603050405020304" pitchFamily="18" charset="0"/>
+              </a:rPr>
+              <a:t> 3.3 </a:t>
+            </a:r>
+            <a:r>
+              <a:rPr lang="zh-TW" sz="1800" dirty="0">
+                <a:effectLst/>
+                <a:ea typeface="PMingLiU" panose="02020500000000000000" pitchFamily="18" charset="-120"/>
+                <a:cs typeface="Times New Roman" panose="02020603050405020304" pitchFamily="18" charset="0"/>
+              </a:rPr>
+              <a:t>晚</a:t>
+            </a:r>
+            <a:endParaRPr lang="en-US" sz="1800" dirty="0">
+              <a:effectLst/>
+              <a:ea typeface="PMingLiU" panose="02020500000000000000" pitchFamily="18" charset="-120"/>
+              <a:cs typeface="Times New Roman" panose="02020603050405020304" pitchFamily="18" charset="0"/>
+            </a:endParaRPr>
+          </a:p>
+          <a:p>
+            <a:pPr marL="0" marR="0">
+              <a:spcBef>
+                <a:spcPts val="0"/>
+              </a:spcBef>
+              <a:spcAft>
+                <a:spcPts val="0"/>
+              </a:spcAft>
+            </a:pPr>
+            <a:r>
+              <a:rPr lang="zh-TW" sz="1800" dirty="0">
+                <a:effectLst/>
+                <a:ea typeface="PMingLiU" panose="02020500000000000000" pitchFamily="18" charset="-120"/>
+                <a:cs typeface="Times New Roman" panose="02020603050405020304" pitchFamily="18" charset="0"/>
+              </a:rPr>
+              <a:t>主要旅客：</a:t>
+            </a:r>
+            <a:r>
+              <a:rPr lang="en-US" sz="1800" dirty="0">
+                <a:effectLst/>
+                <a:ea typeface="PMingLiU" panose="02020500000000000000" pitchFamily="18" charset="-120"/>
+                <a:cs typeface="Times New Roman" panose="02020603050405020304" pitchFamily="18" charset="0"/>
+              </a:rPr>
+              <a:t> 2 </a:t>
+            </a:r>
+            <a:r>
+              <a:rPr lang="zh-TW" sz="1800" dirty="0">
+                <a:effectLst/>
+                <a:ea typeface="PMingLiU" panose="02020500000000000000" pitchFamily="18" charset="-120"/>
+                <a:cs typeface="Times New Roman" panose="02020603050405020304" pitchFamily="18" charset="0"/>
+              </a:rPr>
+              <a:t>位成人</a:t>
+            </a:r>
+            <a:r>
+              <a:rPr lang="en-US" sz="1800" dirty="0">
+                <a:effectLst/>
+                <a:ea typeface="PMingLiU" panose="02020500000000000000" pitchFamily="18" charset="-120"/>
+                <a:cs typeface="Times New Roman" panose="02020603050405020304" pitchFamily="18" charset="0"/>
+              </a:rPr>
+              <a:t> + </a:t>
+            </a:r>
+            <a:r>
+              <a:rPr lang="zh-TW" sz="1800" dirty="0">
+                <a:effectLst/>
+                <a:ea typeface="PMingLiU" panose="02020500000000000000" pitchFamily="18" charset="-120"/>
+                <a:cs typeface="Times New Roman" panose="02020603050405020304" pitchFamily="18" charset="0"/>
+              </a:rPr>
+              <a:t>平均</a:t>
+            </a:r>
+            <a:r>
+              <a:rPr lang="en-US" sz="1800" dirty="0">
+                <a:effectLst/>
+                <a:ea typeface="PMingLiU" panose="02020500000000000000" pitchFamily="18" charset="-120"/>
+                <a:cs typeface="Times New Roman" panose="02020603050405020304" pitchFamily="18" charset="0"/>
+              </a:rPr>
+              <a:t> 1.3 </a:t>
+            </a:r>
+            <a:r>
+              <a:rPr lang="zh-TW" sz="1800" dirty="0">
+                <a:effectLst/>
+                <a:ea typeface="PMingLiU" panose="02020500000000000000" pitchFamily="18" charset="-120"/>
+                <a:cs typeface="Times New Roman" panose="02020603050405020304" pitchFamily="18" charset="0"/>
+              </a:rPr>
+              <a:t>個小孩</a:t>
+            </a:r>
+            <a:endParaRPr lang="en-US" sz="1800" dirty="0">
+              <a:effectLst/>
+              <a:ea typeface="PMingLiU" panose="02020500000000000000" pitchFamily="18" charset="-120"/>
+              <a:cs typeface="Times New Roman" panose="02020603050405020304" pitchFamily="18" charset="0"/>
+            </a:endParaRPr>
+          </a:p>
+          <a:p>
+            <a:pPr marL="0" marR="0">
+              <a:spcBef>
+                <a:spcPts val="0"/>
+              </a:spcBef>
+              <a:spcAft>
+                <a:spcPts val="0"/>
+              </a:spcAft>
+            </a:pPr>
+            <a:r>
+              <a:rPr lang="zh-TW" sz="1800" dirty="0">
+                <a:effectLst/>
+                <a:ea typeface="PMingLiU" panose="02020500000000000000" pitchFamily="18" charset="-120"/>
+                <a:cs typeface="Times New Roman" panose="02020603050405020304" pitchFamily="18" charset="0"/>
+              </a:rPr>
+              <a:t>家庭比例： 幾乎都是家庭</a:t>
+            </a:r>
+            <a:r>
+              <a:rPr lang="en-US" sz="1800" dirty="0">
+                <a:effectLst/>
+                <a:ea typeface="PMingLiU" panose="02020500000000000000" pitchFamily="18" charset="-120"/>
+                <a:cs typeface="Times New Roman" panose="02020603050405020304" pitchFamily="18" charset="0"/>
+              </a:rPr>
+              <a:t> </a:t>
+            </a:r>
+          </a:p>
+          <a:p>
+            <a:pPr marL="0" marR="0">
+              <a:spcBef>
+                <a:spcPts val="0"/>
+              </a:spcBef>
+              <a:spcAft>
+                <a:spcPts val="0"/>
+              </a:spcAft>
+            </a:pPr>
+            <a:r>
+              <a:rPr lang="zh-TW" sz="1800" dirty="0">
+                <a:effectLst/>
+                <a:ea typeface="PMingLiU" panose="02020500000000000000" pitchFamily="18" charset="-120"/>
+                <a:cs typeface="Times New Roman" panose="02020603050405020304" pitchFamily="18" charset="0"/>
+              </a:rPr>
+              <a:t>週末入住：</a:t>
+            </a:r>
+            <a:r>
+              <a:rPr lang="en-US" sz="1800" dirty="0">
+                <a:effectLst/>
+                <a:ea typeface="PMingLiU" panose="02020500000000000000" pitchFamily="18" charset="-120"/>
+                <a:cs typeface="Times New Roman" panose="02020603050405020304" pitchFamily="18" charset="0"/>
+              </a:rPr>
+              <a:t> 60%</a:t>
+            </a:r>
+          </a:p>
+          <a:p>
+            <a:pPr marL="0" marR="0">
+              <a:spcBef>
+                <a:spcPts val="0"/>
+              </a:spcBef>
+              <a:spcAft>
+                <a:spcPts val="0"/>
+              </a:spcAft>
+            </a:pPr>
+            <a:r>
+              <a:rPr lang="zh-TW" sz="1800" dirty="0">
+                <a:effectLst/>
+                <a:ea typeface="PMingLiU" panose="02020500000000000000" pitchFamily="18" charset="-120"/>
+                <a:cs typeface="Times New Roman" panose="02020603050405020304" pitchFamily="18" charset="0"/>
+              </a:rPr>
+              <a:t>特殊需求： 中高</a:t>
+            </a:r>
+            <a:r>
+              <a:rPr lang="en-US" sz="1800" dirty="0">
+                <a:effectLst/>
+                <a:ea typeface="PMingLiU" panose="02020500000000000000" pitchFamily="18" charset="-120"/>
+                <a:cs typeface="Times New Roman" panose="02020603050405020304" pitchFamily="18" charset="0"/>
+              </a:rPr>
+              <a:t> (1.02)</a:t>
+            </a:r>
+          </a:p>
+          <a:p>
+            <a:pPr marL="0" marR="0">
+              <a:spcBef>
+                <a:spcPts val="0"/>
+              </a:spcBef>
+              <a:spcAft>
+                <a:spcPts val="0"/>
+              </a:spcAft>
+            </a:pPr>
+            <a:r>
+              <a:rPr lang="zh-TW" sz="1800" dirty="0">
+                <a:effectLst/>
+                <a:ea typeface="PMingLiU" panose="02020500000000000000" pitchFamily="18" charset="-120"/>
+                <a:cs typeface="Times New Roman" panose="02020603050405020304" pitchFamily="18" charset="0"/>
+              </a:rPr>
+              <a:t>平均營收：</a:t>
+            </a:r>
+            <a:r>
+              <a:rPr lang="en-US" sz="1800" dirty="0">
+                <a:effectLst/>
+                <a:ea typeface="PMingLiU" panose="02020500000000000000" pitchFamily="18" charset="-120"/>
+                <a:cs typeface="Times New Roman" panose="02020603050405020304" pitchFamily="18" charset="0"/>
+              </a:rPr>
+              <a:t> $491</a:t>
+            </a:r>
+          </a:p>
+          <a:p>
+            <a:pPr marL="0" marR="0" indent="0">
+              <a:spcBef>
+                <a:spcPts val="0"/>
+              </a:spcBef>
+              <a:spcAft>
+                <a:spcPts val="0"/>
+              </a:spcAft>
+              <a:buNone/>
+            </a:pPr>
+            <a:endParaRPr lang="en-US" altLang="zh-TW" sz="1800" dirty="0">
+              <a:effectLst/>
+              <a:ea typeface="PMingLiU" panose="02020500000000000000" pitchFamily="18" charset="-120"/>
+              <a:cs typeface="Times New Roman" panose="02020603050405020304" pitchFamily="18" charset="0"/>
+            </a:endParaRPr>
+          </a:p>
+          <a:p>
+            <a:pPr marL="0" marR="0" indent="0">
+              <a:spcBef>
+                <a:spcPts val="0"/>
+              </a:spcBef>
+              <a:spcAft>
+                <a:spcPts val="0"/>
+              </a:spcAft>
+              <a:buNone/>
+            </a:pPr>
+            <a:r>
+              <a:rPr lang="zh-TW" sz="1800" dirty="0">
+                <a:effectLst/>
+                <a:ea typeface="PMingLiU" panose="02020500000000000000" pitchFamily="18" charset="-120"/>
+                <a:cs typeface="Times New Roman" panose="02020603050405020304" pitchFamily="18" charset="0"/>
+              </a:rPr>
+              <a:t>解讀：</a:t>
+            </a:r>
+            <a:r>
+              <a:rPr lang="zh-TW" sz="1800" b="1" dirty="0">
+                <a:solidFill>
+                  <a:srgbClr val="FF0000"/>
+                </a:solidFill>
+                <a:effectLst/>
+                <a:ea typeface="PMingLiU" panose="02020500000000000000" pitchFamily="18" charset="-120"/>
+                <a:cs typeface="Times New Roman" panose="02020603050405020304" pitchFamily="18" charset="0"/>
+              </a:rPr>
+              <a:t>家庭旅遊型旅客</a:t>
+            </a:r>
+            <a:endParaRPr lang="en-US" sz="1800" b="1" dirty="0">
+              <a:solidFill>
+                <a:srgbClr val="FF0000"/>
+              </a:solidFill>
+              <a:effectLst/>
+              <a:ea typeface="PMingLiU" panose="02020500000000000000" pitchFamily="18" charset="-120"/>
+              <a:cs typeface="Times New Roman" panose="02020603050405020304" pitchFamily="18" charset="0"/>
+            </a:endParaRPr>
+          </a:p>
+          <a:p>
+            <a:pPr marL="0" marR="0">
+              <a:spcBef>
+                <a:spcPts val="0"/>
+              </a:spcBef>
+              <a:spcAft>
+                <a:spcPts val="0"/>
+              </a:spcAft>
+            </a:pPr>
+            <a:r>
+              <a:rPr lang="zh-TW" sz="1800" dirty="0">
+                <a:effectLst/>
+                <a:ea typeface="PMingLiU" panose="02020500000000000000" pitchFamily="18" charset="-120"/>
+                <a:cs typeface="Times New Roman" panose="02020603050405020304" pitchFamily="18" charset="0"/>
+              </a:rPr>
+              <a:t>攜帶小孩入住，願意支付較高房價，有更多需求，適合週末或短期家庭度假。</a:t>
+            </a:r>
+            <a:endParaRPr lang="en-US" sz="1800" dirty="0">
+              <a:effectLst/>
+              <a:ea typeface="PMingLiU" panose="02020500000000000000" pitchFamily="18" charset="-120"/>
+              <a:cs typeface="Times New Roman" panose="02020603050405020304" pitchFamily="18" charset="0"/>
+            </a:endParaRPr>
+          </a:p>
+        </p:txBody>
+      </p:sp>
+    </p:spTree>
+    <p:extLst>
+      <p:ext uri="{BB962C8B-B14F-4D97-AF65-F5344CB8AC3E}">
+        <p14:creationId xmlns:p14="http://schemas.microsoft.com/office/powerpoint/2010/main" val="3824770861"/>
+      </p:ext>
+    </p:extLst>
+  </p:cSld>
+  <p:clrMapOvr>
+    <a:masterClrMapping/>
+  </p:clrMapOvr>
+</p:sld>
+</file>
+
+<file path=ppt/slides/slide13.xml><?xml version="1.0" encoding="utf-8"?>
+<p:sld xmlns:a="http://schemas.openxmlformats.org/drawingml/2006/main" xmlns:r="http://schemas.openxmlformats.org/officeDocument/2006/relationships" xmlns:p="http://schemas.openxmlformats.org/presentationml/2006/main">
+  <p:cSld>
     <p:bg>
       <p:bgPr>
         <a:solidFill>
@@ -3700,7 +6212,7 @@
 </p:sld>
 </file>
 
-<file path=ppt/slides/slide11.xml><?xml version="1.0" encoding="utf-8"?>
+<file path=ppt/slides/slide14.xml><?xml version="1.0" encoding="utf-8"?>
 <p:sld xmlns:a="http://schemas.openxmlformats.org/drawingml/2006/main" xmlns:r="http://schemas.openxmlformats.org/officeDocument/2006/relationships" xmlns:p="http://schemas.openxmlformats.org/presentationml/2006/main">
   <p:cSld>
     <p:spTree>
@@ -3778,7 +6290,7 @@
               <a:rPr lang="zh-TW" altLang="en-US" dirty="0">
                 <a:latin typeface="+mn-ea"/>
               </a:rPr>
-              <a:t>國家：部分國家臨時取消率高，可能各地市場習慣、旅遊文化有關。</a:t>
+              <a:t>國家：部分國家臨時取消率高，可能與各地市場習慣、旅遊文化有關。</a:t>
             </a:r>
             <a:endParaRPr lang="en-US" altLang="zh-TW" dirty="0">
               <a:latin typeface="+mn-ea"/>
@@ -3794,7 +6306,7 @@
               <a:rPr lang="zh-TW" altLang="en-US" dirty="0">
                 <a:latin typeface="+mn-ea"/>
               </a:rPr>
-              <a:t>通路：旅行社</a:t>
+              <a:t>訂房渠道 ：旅行社</a:t>
             </a:r>
             <a:r>
               <a:rPr lang="en-US" altLang="zh-TW" dirty="0">
@@ -3871,7 +6383,7 @@
 </p:sld>
 </file>
 
-<file path=ppt/slides/slide12.xml><?xml version="1.0" encoding="utf-8"?>
+<file path=ppt/slides/slide15.xml><?xml version="1.0" encoding="utf-8"?>
 <p:sld xmlns:a="http://schemas.openxmlformats.org/drawingml/2006/main" xmlns:r="http://schemas.openxmlformats.org/officeDocument/2006/relationships" xmlns:p="http://schemas.openxmlformats.org/presentationml/2006/main">
   <p:cSld>
     <p:spTree>
@@ -3988,7 +6500,7 @@
 </p:sld>
 </file>
 
-<file path=ppt/slides/slide13.xml><?xml version="1.0" encoding="utf-8"?>
+<file path=ppt/slides/slide16.xml><?xml version="1.0" encoding="utf-8"?>
 <p:sld xmlns:a="http://schemas.openxmlformats.org/drawingml/2006/main" xmlns:r="http://schemas.openxmlformats.org/officeDocument/2006/relationships" xmlns:p="http://schemas.openxmlformats.org/presentationml/2006/main">
   <p:cSld>
     <p:spTree>
@@ -4053,7 +6565,7 @@
 </p:sld>
 </file>
 
-<file path=ppt/slides/slide14.xml><?xml version="1.0" encoding="utf-8"?>
+<file path=ppt/slides/slide17.xml><?xml version="1.0" encoding="utf-8"?>
 <p:sld xmlns:a="http://schemas.openxmlformats.org/drawingml/2006/main" xmlns:r="http://schemas.openxmlformats.org/officeDocument/2006/relationships" xmlns:p="http://schemas.openxmlformats.org/presentationml/2006/main">
   <p:cSld>
     <p:spTree>
@@ -4191,7 +6703,7 @@
 </p:sld>
 </file>
 
-<file path=ppt/slides/slide15.xml><?xml version="1.0" encoding="utf-8"?>
+<file path=ppt/slides/slide18.xml><?xml version="1.0" encoding="utf-8"?>
 <p:sld xmlns:a="http://schemas.openxmlformats.org/drawingml/2006/main" xmlns:r="http://schemas.openxmlformats.org/officeDocument/2006/relationships" xmlns:p="http://schemas.openxmlformats.org/presentationml/2006/main">
   <p:cSld>
     <p:spTree>
@@ -4424,7 +6936,7 @@
 </p:sld>
 </file>
 
-<file path=ppt/slides/slide16.xml><?xml version="1.0" encoding="utf-8"?>
+<file path=ppt/slides/slide19.xml><?xml version="1.0" encoding="utf-8"?>
 <p:sld xmlns:a="http://schemas.openxmlformats.org/drawingml/2006/main" xmlns:r="http://schemas.openxmlformats.org/officeDocument/2006/relationships" xmlns:p="http://schemas.openxmlformats.org/presentationml/2006/main">
   <p:cSld>
     <p:spTree>
@@ -4488,146 +7000,338 @@
         </p:nvSpPr>
         <p:spPr/>
         <p:txBody>
-          <a:bodyPr/>
+          <a:bodyPr>
+            <a:normAutofit fontScale="77500" lnSpcReduction="20000"/>
+          </a:bodyPr>
           <a:lstStyle/>
           <a:p>
-            <a:r>
-              <a:rPr lang="en-US" b="1" dirty="0" err="1"/>
+            <a:pPr>
+              <a:lnSpc>
+                <a:spcPct val="150000"/>
+              </a:lnSpc>
+            </a:pPr>
+            <a:r>
+              <a:rPr lang="en-US" dirty="0" err="1">
+                <a:latin typeface="+mn-ea"/>
+              </a:rPr>
               <a:t>取消量與取消率較高的分群類別</a:t>
             </a:r>
             <a:r>
-              <a:rPr lang="en-US" b="1" dirty="0"/>
+              <a:rPr lang="en-US" dirty="0">
+                <a:latin typeface="+mn-ea"/>
+              </a:rPr>
               <a:t>：</a:t>
             </a:r>
           </a:p>
           <a:p>
+            <a:pPr lvl="1">
+              <a:lnSpc>
+                <a:spcPct val="150000"/>
+              </a:lnSpc>
+            </a:pPr>
+            <a:r>
+              <a:rPr lang="en-US" dirty="0" err="1">
+                <a:latin typeface="+mn-ea"/>
+              </a:rPr>
+              <a:t>國家</a:t>
+            </a:r>
+            <a:r>
+              <a:rPr lang="en-US" dirty="0">
+                <a:latin typeface="+mn-ea"/>
+              </a:rPr>
+              <a:t>：</a:t>
+            </a:r>
+            <a:r>
+              <a:rPr lang="zh-TW" altLang="en-US" dirty="0">
+                <a:latin typeface="+mn-ea"/>
+              </a:rPr>
+              <a:t>葡萄牙</a:t>
+            </a:r>
+            <a:r>
+              <a:rPr lang="en-US" altLang="zh-TW" dirty="0">
+                <a:latin typeface="+mn-ea"/>
+              </a:rPr>
+              <a:t> (PRT)</a:t>
+            </a:r>
+          </a:p>
+          <a:p>
+            <a:pPr lvl="1">
+              <a:lnSpc>
+                <a:spcPct val="150000"/>
+              </a:lnSpc>
+            </a:pPr>
+            <a:r>
+              <a:rPr lang="en-US" dirty="0" err="1">
+                <a:latin typeface="+mn-ea"/>
+              </a:rPr>
+              <a:t>通路</a:t>
+            </a:r>
+            <a:r>
+              <a:rPr lang="en-US" altLang="zh-TW" dirty="0">
+                <a:latin typeface="+mn-ea"/>
+              </a:rPr>
+              <a:t>:</a:t>
+            </a:r>
+            <a:r>
+              <a:rPr lang="zh-TW" altLang="en-US" dirty="0">
+                <a:latin typeface="+mn-ea"/>
+              </a:rPr>
+              <a:t> 旅行社 </a:t>
+            </a:r>
+            <a:r>
+              <a:rPr lang="en-US" altLang="zh-TW" dirty="0">
+                <a:latin typeface="+mn-ea"/>
+              </a:rPr>
+              <a:t>/ </a:t>
+            </a:r>
+            <a:r>
+              <a:rPr lang="zh-TW" altLang="en-US" dirty="0">
+                <a:latin typeface="+mn-ea"/>
+              </a:rPr>
+              <a:t>旅遊代理 </a:t>
+            </a:r>
+            <a:r>
+              <a:rPr lang="en-US" altLang="zh-TW" dirty="0">
+                <a:latin typeface="+mn-ea"/>
+                <a:sym typeface="Wingdings" pitchFamily="2" charset="2"/>
+              </a:rPr>
+              <a:t>(</a:t>
+            </a:r>
+            <a:r>
+              <a:rPr lang="en-US" dirty="0">
+                <a:latin typeface="+mn-ea"/>
+              </a:rPr>
+              <a:t>TA/TO</a:t>
+            </a:r>
+            <a:r>
+              <a:rPr lang="en-US" altLang="zh-TW" dirty="0">
+                <a:latin typeface="+mn-ea"/>
+              </a:rPr>
+              <a:t>)</a:t>
+            </a:r>
+            <a:endParaRPr lang="en-US" dirty="0">
+              <a:latin typeface="+mn-ea"/>
+            </a:endParaRPr>
+          </a:p>
+          <a:p>
+            <a:pPr lvl="1">
+              <a:lnSpc>
+                <a:spcPct val="150000"/>
+              </a:lnSpc>
+            </a:pPr>
+            <a:r>
+              <a:rPr lang="en-US" sz="2400" dirty="0" err="1">
+                <a:latin typeface="+mn-ea"/>
+              </a:rPr>
+              <a:t>客戶類型</a:t>
+            </a:r>
+            <a:r>
+              <a:rPr lang="en-US" sz="2400" dirty="0">
+                <a:latin typeface="+mn-ea"/>
+              </a:rPr>
+              <a:t> </a:t>
+            </a:r>
+            <a:r>
+              <a:rPr lang="en-US" altLang="zh-TW" dirty="0">
+                <a:latin typeface="+mn-ea"/>
+              </a:rPr>
+              <a:t>:</a:t>
+            </a:r>
+            <a:r>
+              <a:rPr lang="zh-TW" altLang="en-US" dirty="0">
+                <a:latin typeface="+mn-ea"/>
+              </a:rPr>
+              <a:t> 散客 </a:t>
+            </a:r>
+            <a:r>
+              <a:rPr lang="en-US" altLang="zh-TW" dirty="0">
+                <a:latin typeface="+mn-ea"/>
+                <a:sym typeface="Wingdings" pitchFamily="2" charset="2"/>
+              </a:rPr>
+              <a:t>(</a:t>
+            </a:r>
+            <a:r>
+              <a:rPr lang="en-US" altLang="zh-TW" dirty="0">
+                <a:latin typeface="+mn-ea"/>
+              </a:rPr>
+              <a:t>Transient)</a:t>
+            </a:r>
+          </a:p>
+          <a:p>
+            <a:pPr lvl="1">
+              <a:lnSpc>
+                <a:spcPct val="150000"/>
+              </a:lnSpc>
+            </a:pPr>
+            <a:r>
+              <a:rPr lang="en-US" dirty="0" err="1">
+                <a:latin typeface="+mn-ea"/>
+              </a:rPr>
+              <a:t>回頭客：新客戶</a:t>
+            </a:r>
+            <a:r>
+              <a:rPr lang="en-US" altLang="zh-TW" dirty="0">
+                <a:latin typeface="+mn-ea"/>
+              </a:rPr>
+              <a:t>(0)</a:t>
+            </a:r>
+            <a:endParaRPr lang="en-US" dirty="0">
+              <a:latin typeface="+mn-ea"/>
+            </a:endParaRPr>
+          </a:p>
+          <a:p>
+            <a:pPr lvl="1">
+              <a:lnSpc>
+                <a:spcPct val="150000"/>
+              </a:lnSpc>
+            </a:pPr>
+            <a:r>
+              <a:rPr lang="en-US" altLang="zh-TW" sz="2400" dirty="0">
+                <a:latin typeface="+mn-ea"/>
+              </a:rPr>
+              <a:t>Python</a:t>
+            </a:r>
+            <a:r>
+              <a:rPr lang="zh-TW" altLang="en-US" sz="2400" dirty="0">
+                <a:latin typeface="+mn-ea"/>
+              </a:rPr>
+              <a:t>分群</a:t>
+            </a:r>
+            <a:r>
+              <a:rPr lang="en-US" dirty="0">
+                <a:latin typeface="+mn-ea"/>
+              </a:rPr>
+              <a:t>：</a:t>
+            </a:r>
+            <a:r>
+              <a:rPr lang="en-US" dirty="0" err="1">
+                <a:latin typeface="+mn-ea"/>
+              </a:rPr>
+              <a:t>商務短住</a:t>
+            </a:r>
+            <a:r>
+              <a:rPr lang="en-US" altLang="zh-TW" dirty="0">
+                <a:latin typeface="+mn-ea"/>
+              </a:rPr>
+              <a:t>(Business</a:t>
+            </a:r>
+            <a:r>
+              <a:rPr lang="zh-TW" altLang="en-US" dirty="0">
+                <a:latin typeface="+mn-ea"/>
+              </a:rPr>
+              <a:t> </a:t>
+            </a:r>
+            <a:r>
+              <a:rPr lang="en-US" altLang="zh-TW" dirty="0">
+                <a:latin typeface="+mn-ea"/>
+              </a:rPr>
+              <a:t>short-stay)</a:t>
+            </a:r>
+            <a:r>
+              <a:rPr lang="en-US" dirty="0">
+                <a:latin typeface="+mn-ea"/>
+              </a:rPr>
+              <a:t>、</a:t>
+            </a:r>
+            <a:r>
+              <a:rPr lang="en-US" dirty="0" err="1">
+                <a:latin typeface="+mn-ea"/>
+              </a:rPr>
+              <a:t>週末短住</a:t>
+            </a:r>
+            <a:r>
+              <a:rPr lang="en-US" altLang="zh-TW" dirty="0">
+                <a:latin typeface="+mn-ea"/>
+              </a:rPr>
+              <a:t>(Weekend</a:t>
+            </a:r>
+            <a:r>
+              <a:rPr lang="zh-TW" altLang="en-US" dirty="0">
+                <a:latin typeface="+mn-ea"/>
+              </a:rPr>
+              <a:t> </a:t>
+            </a:r>
+            <a:r>
+              <a:rPr lang="en-US" altLang="zh-TW" dirty="0">
+                <a:latin typeface="+mn-ea"/>
+              </a:rPr>
+              <a:t>short-stay)</a:t>
+            </a:r>
+            <a:endParaRPr lang="en-US" dirty="0">
+              <a:latin typeface="+mn-ea"/>
+            </a:endParaRPr>
+          </a:p>
+          <a:p>
+            <a:pPr>
+              <a:lnSpc>
+                <a:spcPct val="150000"/>
+              </a:lnSpc>
+            </a:pPr>
+            <a:r>
+              <a:rPr lang="en-US" dirty="0" err="1">
+                <a:latin typeface="+mn-ea"/>
+              </a:rPr>
+              <a:t>訂金</a:t>
+            </a:r>
+            <a:r>
+              <a:rPr lang="en-US" altLang="zh-TW" dirty="0">
+                <a:latin typeface="+mn-ea"/>
+              </a:rPr>
+              <a:t>(Deposit)</a:t>
+            </a:r>
+            <a:r>
+              <a:rPr lang="zh-TW" altLang="en-US" dirty="0">
+                <a:latin typeface="+mn-ea"/>
+              </a:rPr>
+              <a:t>制度效果不彰</a:t>
+            </a:r>
+            <a:endParaRPr lang="en-US" altLang="zh-TW" dirty="0">
+              <a:latin typeface="+mn-ea"/>
+            </a:endParaRPr>
+          </a:p>
+          <a:p>
+            <a:pPr lvl="1">
+              <a:lnSpc>
+                <a:spcPct val="150000"/>
+              </a:lnSpc>
+            </a:pPr>
+            <a:r>
+              <a:rPr lang="en-US" dirty="0" err="1">
+                <a:latin typeface="+mn-ea"/>
+              </a:rPr>
+              <a:t>是否收取分類機制</a:t>
+            </a:r>
+            <a:endParaRPr lang="en-US" dirty="0">
+              <a:latin typeface="+mn-ea"/>
+            </a:endParaRPr>
+          </a:p>
+          <a:p>
+            <a:pPr lvl="1">
+              <a:lnSpc>
+                <a:spcPct val="150000"/>
+              </a:lnSpc>
+            </a:pPr>
+            <a:r>
+              <a:rPr lang="en-US" dirty="0" err="1">
+                <a:latin typeface="+mn-ea"/>
+              </a:rPr>
+              <a:t>訂金金額</a:t>
+            </a:r>
+            <a:endParaRPr lang="en-US" dirty="0">
+              <a:latin typeface="+mn-ea"/>
+            </a:endParaRPr>
+          </a:p>
+          <a:p>
             <a:pPr lvl="1"/>
-            <a:r>
-              <a:rPr lang="en-US" dirty="0" err="1"/>
-              <a:t>國家</a:t>
-            </a:r>
-            <a:r>
-              <a:rPr lang="en-US" dirty="0"/>
-              <a:t>：</a:t>
-            </a:r>
-            <a:r>
-              <a:rPr lang="zh-TW" altLang="en-US" dirty="0"/>
-              <a:t>葡萄牙</a:t>
-            </a:r>
-            <a:r>
-              <a:rPr lang="en-US" altLang="zh-TW" dirty="0"/>
-              <a:t> (PRT)</a:t>
-            </a:r>
+            <a:endParaRPr lang="en-US" dirty="0">
+              <a:latin typeface="+mn-ea"/>
+            </a:endParaRPr>
           </a:p>
           <a:p>
             <a:pPr lvl="1"/>
-            <a:r>
-              <a:rPr lang="en-US" dirty="0" err="1"/>
-              <a:t>通路</a:t>
-            </a:r>
-            <a:r>
-              <a:rPr lang="en-US" altLang="zh-TW" dirty="0"/>
-              <a:t>:</a:t>
-            </a:r>
-            <a:r>
-              <a:rPr lang="zh-TW" altLang="en-US" dirty="0"/>
-              <a:t> </a:t>
-            </a:r>
-            <a:r>
-              <a:rPr lang="en-US" altLang="zh-TW" dirty="0">
-                <a:sym typeface="Wingdings" pitchFamily="2" charset="2"/>
-              </a:rPr>
-              <a:t>(</a:t>
-            </a:r>
-            <a:r>
-              <a:rPr lang="en-US" dirty="0"/>
-              <a:t>TA/TO</a:t>
-            </a:r>
-            <a:r>
-              <a:rPr lang="en-US" altLang="zh-TW" dirty="0"/>
-              <a:t>)</a:t>
-            </a:r>
-            <a:endParaRPr lang="en-US" dirty="0"/>
-          </a:p>
-          <a:p>
-            <a:pPr lvl="1"/>
-            <a:r>
-              <a:rPr lang="en-US" dirty="0" err="1"/>
-              <a:t>客別</a:t>
-            </a:r>
-            <a:r>
-              <a:rPr lang="en-US" altLang="zh-TW" dirty="0"/>
-              <a:t>:</a:t>
-            </a:r>
-            <a:r>
-              <a:rPr lang="zh-TW" altLang="en-US" dirty="0"/>
-              <a:t> </a:t>
-            </a:r>
-            <a:r>
-              <a:rPr lang="en-US" altLang="zh-TW" dirty="0">
-                <a:sym typeface="Wingdings" pitchFamily="2" charset="2"/>
-              </a:rPr>
-              <a:t>(</a:t>
-            </a:r>
-            <a:r>
-              <a:rPr lang="en-US" altLang="zh-TW" dirty="0"/>
-              <a:t>Transient)</a:t>
-            </a:r>
-          </a:p>
-          <a:p>
-            <a:pPr lvl="1"/>
-            <a:r>
-              <a:rPr lang="en-US" dirty="0" err="1"/>
-              <a:t>回頭客：新客戶</a:t>
-            </a:r>
-            <a:endParaRPr lang="en-US" dirty="0"/>
-          </a:p>
-          <a:p>
-            <a:pPr lvl="1"/>
-            <a:r>
-              <a:rPr lang="en-US" dirty="0" err="1"/>
-              <a:t>客戶分群：商務短住、週末短住</a:t>
-            </a:r>
-            <a:endParaRPr lang="en-US" dirty="0"/>
-          </a:p>
-          <a:p>
-            <a:r>
-              <a:rPr lang="en-US" b="1" dirty="0" err="1"/>
-              <a:t>訂金</a:t>
-            </a:r>
-            <a:r>
-              <a:rPr lang="en-US" altLang="zh-TW" b="1" dirty="0"/>
-              <a:t>(Deposit)</a:t>
-            </a:r>
-            <a:r>
-              <a:rPr lang="zh-TW" altLang="en-US" b="1" dirty="0"/>
-              <a:t>制度效果不彰</a:t>
-            </a:r>
-            <a:endParaRPr lang="en-US" altLang="zh-TW" b="1" dirty="0"/>
-          </a:p>
-          <a:p>
-            <a:pPr lvl="1"/>
-            <a:r>
-              <a:rPr lang="en-US" dirty="0" err="1"/>
-              <a:t>是否收取分類機制</a:t>
-            </a:r>
-            <a:endParaRPr lang="en-US" dirty="0"/>
-          </a:p>
-          <a:p>
-            <a:pPr lvl="1"/>
-            <a:r>
-              <a:rPr lang="en-US" dirty="0" err="1"/>
-              <a:t>訂金金額</a:t>
-            </a:r>
-            <a:endParaRPr lang="en-US" dirty="0"/>
-          </a:p>
-          <a:p>
-            <a:pPr lvl="1"/>
-            <a:endParaRPr lang="en-US" dirty="0"/>
-          </a:p>
-          <a:p>
-            <a:pPr lvl="1"/>
-            <a:endParaRPr lang="en-US" dirty="0"/>
+            <a:endParaRPr lang="en-US" dirty="0">
+              <a:latin typeface="+mn-ea"/>
+            </a:endParaRPr>
           </a:p>
         </p:txBody>
       </p:sp>
@@ -4635,239 +7339,6 @@
     <p:extLst>
       <p:ext uri="{BB962C8B-B14F-4D97-AF65-F5344CB8AC3E}">
         <p14:creationId xmlns:p14="http://schemas.microsoft.com/office/powerpoint/2010/main" val="4004750313"/>
-      </p:ext>
-    </p:extLst>
-  </p:cSld>
-  <p:clrMapOvr>
-    <a:masterClrMapping/>
-  </p:clrMapOvr>
-</p:sld>
-</file>
-
-<file path=ppt/slides/slide17.xml><?xml version="1.0" encoding="utf-8"?>
-<p:sld xmlns:a="http://schemas.openxmlformats.org/drawingml/2006/main" xmlns:r="http://schemas.openxmlformats.org/officeDocument/2006/relationships" xmlns:p="http://schemas.openxmlformats.org/presentationml/2006/main">
-  <p:cSld>
-    <p:spTree>
-      <p:nvGrpSpPr>
-        <p:cNvPr id="1" name=""/>
-        <p:cNvGrpSpPr/>
-        <p:nvPr/>
-      </p:nvGrpSpPr>
-      <p:grpSpPr>
-        <a:xfrm>
-          <a:off x="0" y="0"/>
-          <a:ext cx="0" cy="0"/>
-          <a:chOff x="0" y="0"/>
-          <a:chExt cx="0" cy="0"/>
-        </a:xfrm>
-      </p:grpSpPr>
-      <p:sp>
-        <p:nvSpPr>
-          <p:cNvPr id="2" name="Title 1">
-            <a:extLst>
-              <a:ext uri="{FF2B5EF4-FFF2-40B4-BE49-F238E27FC236}">
-                <a16:creationId xmlns:a16="http://schemas.microsoft.com/office/drawing/2014/main" id="{629C63E9-B5A0-2364-170B-46501E5BD421}"/>
-              </a:ext>
-            </a:extLst>
-          </p:cNvPr>
-          <p:cNvSpPr>
-            <a:spLocks noGrp="1"/>
-          </p:cNvSpPr>
-          <p:nvPr>
-            <p:ph type="title"/>
-          </p:nvPr>
-        </p:nvSpPr>
-        <p:spPr/>
-        <p:txBody>
-          <a:bodyPr/>
-          <a:lstStyle/>
-          <a:p>
-            <a:r>
-              <a:rPr lang="en-US" dirty="0" err="1"/>
-              <a:t>取消預測模型</a:t>
-            </a:r>
-            <a:endParaRPr lang="en-US" dirty="0"/>
-          </a:p>
-        </p:txBody>
-      </p:sp>
-      <p:pic>
-        <p:nvPicPr>
-          <p:cNvPr id="5" name="Content Placeholder 4" descr="A table with a number of objects&#10;&#10;Description automatically generated with medium confidence">
-            <a:extLst>
-              <a:ext uri="{FF2B5EF4-FFF2-40B4-BE49-F238E27FC236}">
-                <a16:creationId xmlns:a16="http://schemas.microsoft.com/office/drawing/2014/main" id="{FCE7F69D-2CD6-B3D4-F9D7-26DF20B072ED}"/>
-              </a:ext>
-            </a:extLst>
-          </p:cNvPr>
-          <p:cNvPicPr>
-            <a:picLocks noGrp="1" noChangeAspect="1"/>
-          </p:cNvPicPr>
-          <p:nvPr>
-            <p:ph idx="1"/>
-          </p:nvPr>
-        </p:nvPicPr>
-        <p:blipFill>
-          <a:blip r:embed="rId2">
-            <a:extLst>
-              <a:ext uri="{28A0092B-C50C-407E-A947-70E740481C1C}">
-                <a14:useLocalDpi xmlns:a14="http://schemas.microsoft.com/office/drawing/2010/main" val="0"/>
-              </a:ext>
-            </a:extLst>
-          </a:blip>
-          <a:stretch>
-            <a:fillRect/>
-          </a:stretch>
-        </p:blipFill>
-        <p:spPr>
-          <a:xfrm>
-            <a:off x="1433131" y="2858902"/>
-            <a:ext cx="9325738" cy="1462577"/>
-          </a:xfrm>
-        </p:spPr>
-      </p:pic>
-    </p:spTree>
-    <p:extLst>
-      <p:ext uri="{BB962C8B-B14F-4D97-AF65-F5344CB8AC3E}">
-        <p14:creationId xmlns:p14="http://schemas.microsoft.com/office/powerpoint/2010/main" val="3206007727"/>
-      </p:ext>
-    </p:extLst>
-  </p:cSld>
-  <p:clrMapOvr>
-    <a:masterClrMapping/>
-  </p:clrMapOvr>
-</p:sld>
-</file>
-
-<file path=ppt/slides/slide18.xml><?xml version="1.0" encoding="utf-8"?>
-<p:sld xmlns:a="http://schemas.openxmlformats.org/drawingml/2006/main" xmlns:r="http://schemas.openxmlformats.org/officeDocument/2006/relationships" xmlns:p="http://schemas.openxmlformats.org/presentationml/2006/main">
-  <p:cSld>
-    <p:spTree>
-      <p:nvGrpSpPr>
-        <p:cNvPr id="1" name=""/>
-        <p:cNvGrpSpPr/>
-        <p:nvPr/>
-      </p:nvGrpSpPr>
-      <p:grpSpPr>
-        <a:xfrm>
-          <a:off x="0" y="0"/>
-          <a:ext cx="0" cy="0"/>
-          <a:chOff x="0" y="0"/>
-          <a:chExt cx="0" cy="0"/>
-        </a:xfrm>
-      </p:grpSpPr>
-      <p:sp>
-        <p:nvSpPr>
-          <p:cNvPr id="2" name="Title 1">
-            <a:extLst>
-              <a:ext uri="{FF2B5EF4-FFF2-40B4-BE49-F238E27FC236}">
-                <a16:creationId xmlns:a16="http://schemas.microsoft.com/office/drawing/2014/main" id="{7668D1EE-1AED-B506-71F8-1AA6AC1EFA9A}"/>
-              </a:ext>
-            </a:extLst>
-          </p:cNvPr>
-          <p:cNvSpPr>
-            <a:spLocks noGrp="1"/>
-          </p:cNvSpPr>
-          <p:nvPr>
-            <p:ph type="title"/>
-          </p:nvPr>
-        </p:nvSpPr>
-        <p:spPr/>
-        <p:txBody>
-          <a:bodyPr/>
-          <a:lstStyle/>
-          <a:p>
-            <a:r>
-              <a:rPr lang="en-US" altLang="zh-TW" dirty="0"/>
-              <a:t>Tableau</a:t>
-            </a:r>
-            <a:r>
-              <a:rPr lang="zh-TW" altLang="en-US" dirty="0"/>
-              <a:t> </a:t>
-            </a:r>
-            <a:r>
-              <a:rPr lang="en-US" altLang="zh-TW" dirty="0"/>
-              <a:t>Dashboard</a:t>
-            </a:r>
-            <a:r>
-              <a:rPr lang="zh-TW" altLang="en-US" dirty="0"/>
-              <a:t> </a:t>
-            </a:r>
-            <a:r>
-              <a:rPr lang="en-US" altLang="zh-TW" dirty="0"/>
-              <a:t>Link</a:t>
-            </a:r>
-            <a:endParaRPr lang="en-US" dirty="0"/>
-          </a:p>
-        </p:txBody>
-      </p:sp>
-      <p:sp>
-        <p:nvSpPr>
-          <p:cNvPr id="3" name="Content Placeholder 2">
-            <a:extLst>
-              <a:ext uri="{FF2B5EF4-FFF2-40B4-BE49-F238E27FC236}">
-                <a16:creationId xmlns:a16="http://schemas.microsoft.com/office/drawing/2014/main" id="{22DCE2D8-B593-353B-0045-9AFF23A8ECA6}"/>
-              </a:ext>
-            </a:extLst>
-          </p:cNvPr>
-          <p:cNvSpPr>
-            <a:spLocks noGrp="1"/>
-          </p:cNvSpPr>
-          <p:nvPr>
-            <p:ph idx="1"/>
-          </p:nvPr>
-        </p:nvSpPr>
-        <p:spPr/>
-        <p:txBody>
-          <a:bodyPr/>
-          <a:lstStyle/>
-          <a:p>
-            <a:r>
-              <a:rPr lang="en-US" altLang="zh-TW" dirty="0">
-                <a:hlinkClick r:id="rId2"/>
-              </a:rPr>
-              <a:t>Cancellation</a:t>
-            </a:r>
-            <a:r>
-              <a:rPr lang="zh-TW" altLang="en-US" dirty="0">
-                <a:hlinkClick r:id="rId2"/>
-              </a:rPr>
-              <a:t> </a:t>
-            </a:r>
-            <a:r>
-              <a:rPr lang="en-US" altLang="zh-TW" dirty="0">
-                <a:hlinkClick r:id="rId2"/>
-              </a:rPr>
-              <a:t>Analysis</a:t>
-            </a:r>
-            <a:endParaRPr lang="en-US" altLang="zh-TW" dirty="0"/>
-          </a:p>
-          <a:p>
-            <a:r>
-              <a:rPr lang="en-US" altLang="zh-TW" dirty="0">
-                <a:hlinkClick r:id="rId3"/>
-              </a:rPr>
-              <a:t>Segmentation</a:t>
-            </a:r>
-            <a:r>
-              <a:rPr lang="zh-TW" altLang="en-US" dirty="0">
-                <a:hlinkClick r:id="rId3"/>
-              </a:rPr>
-              <a:t> </a:t>
-            </a:r>
-            <a:r>
-              <a:rPr lang="en-US" altLang="zh-TW" dirty="0">
-                <a:hlinkClick r:id="rId3"/>
-              </a:rPr>
-              <a:t>Analysis</a:t>
-            </a:r>
-            <a:endParaRPr lang="en-US" dirty="0"/>
-          </a:p>
-        </p:txBody>
-      </p:sp>
-    </p:spTree>
-    <p:extLst>
-      <p:ext uri="{BB962C8B-B14F-4D97-AF65-F5344CB8AC3E}">
-        <p14:creationId xmlns:p14="http://schemas.microsoft.com/office/powerpoint/2010/main" val="1967152218"/>
       </p:ext>
     </p:extLst>
   </p:cSld>
@@ -4935,6 +7406,651 @@
     <p:extLst>
       <p:ext uri="{BB962C8B-B14F-4D97-AF65-F5344CB8AC3E}">
         <p14:creationId xmlns:p14="http://schemas.microsoft.com/office/powerpoint/2010/main" val="3559463648"/>
+      </p:ext>
+    </p:extLst>
+  </p:cSld>
+  <p:clrMapOvr>
+    <a:masterClrMapping/>
+  </p:clrMapOvr>
+</p:sld>
+</file>
+
+<file path=ppt/slides/slide20.xml><?xml version="1.0" encoding="utf-8"?>
+<p:sld xmlns:a="http://schemas.openxmlformats.org/drawingml/2006/main" xmlns:r="http://schemas.openxmlformats.org/officeDocument/2006/relationships" xmlns:p="http://schemas.openxmlformats.org/presentationml/2006/main">
+  <p:cSld>
+    <p:spTree>
+      <p:nvGrpSpPr>
+        <p:cNvPr id="1" name=""/>
+        <p:cNvGrpSpPr/>
+        <p:nvPr/>
+      </p:nvGrpSpPr>
+      <p:grpSpPr>
+        <a:xfrm>
+          <a:off x="0" y="0"/>
+          <a:ext cx="0" cy="0"/>
+          <a:chOff x="0" y="0"/>
+          <a:chExt cx="0" cy="0"/>
+        </a:xfrm>
+      </p:grpSpPr>
+      <p:sp>
+        <p:nvSpPr>
+          <p:cNvPr id="2" name="Title 1">
+            <a:extLst>
+              <a:ext uri="{FF2B5EF4-FFF2-40B4-BE49-F238E27FC236}">
+                <a16:creationId xmlns:a16="http://schemas.microsoft.com/office/drawing/2014/main" id="{629C63E9-B5A0-2364-170B-46501E5BD421}"/>
+              </a:ext>
+            </a:extLst>
+          </p:cNvPr>
+          <p:cNvSpPr>
+            <a:spLocks noGrp="1"/>
+          </p:cNvSpPr>
+          <p:nvPr>
+            <p:ph type="title"/>
+          </p:nvPr>
+        </p:nvSpPr>
+        <p:spPr/>
+        <p:txBody>
+          <a:bodyPr/>
+          <a:lstStyle/>
+          <a:p>
+            <a:r>
+              <a:rPr lang="en-US" dirty="0" err="1"/>
+              <a:t>取消預測模型</a:t>
+            </a:r>
+            <a:endParaRPr lang="en-US" dirty="0"/>
+          </a:p>
+        </p:txBody>
+      </p:sp>
+      <p:graphicFrame>
+        <p:nvGraphicFramePr>
+          <p:cNvPr id="3" name="Table 3">
+            <a:extLst>
+              <a:ext uri="{FF2B5EF4-FFF2-40B4-BE49-F238E27FC236}">
+                <a16:creationId xmlns:a16="http://schemas.microsoft.com/office/drawing/2014/main" id="{401237CA-6E99-A6E7-C685-BB443B61E54D}"/>
+              </a:ext>
+            </a:extLst>
+          </p:cNvPr>
+          <p:cNvGraphicFramePr>
+            <a:graphicFrameLocks noGrp="1"/>
+          </p:cNvGraphicFramePr>
+          <p:nvPr>
+            <p:extLst>
+              <p:ext uri="{D42A27DB-BD31-4B8C-83A1-F6EECF244321}">
+                <p14:modId xmlns:p14="http://schemas.microsoft.com/office/powerpoint/2010/main" val="1204526242"/>
+              </p:ext>
+            </p:extLst>
+          </p:nvPr>
+        </p:nvGraphicFramePr>
+        <p:xfrm>
+          <a:off x="1636716" y="2249635"/>
+          <a:ext cx="8918568" cy="2358730"/>
+        </p:xfrm>
+        <a:graphic>
+          <a:graphicData uri="http://schemas.openxmlformats.org/drawingml/2006/table">
+            <a:tbl>
+              <a:tblPr firstRow="1" bandRow="1">
+                <a:tableStyleId>{5C22544A-7EE6-4342-B048-85BDC9FD1C3A}</a:tableStyleId>
+              </a:tblPr>
+              <a:tblGrid>
+                <a:gridCol w="2229642">
+                  <a:extLst>
+                    <a:ext uri="{9D8B030D-6E8A-4147-A177-3AD203B41FA5}">
+                      <a16:colId xmlns:a16="http://schemas.microsoft.com/office/drawing/2014/main" val="2440004961"/>
+                    </a:ext>
+                  </a:extLst>
+                </a:gridCol>
+                <a:gridCol w="2229642">
+                  <a:extLst>
+                    <a:ext uri="{9D8B030D-6E8A-4147-A177-3AD203B41FA5}">
+                      <a16:colId xmlns:a16="http://schemas.microsoft.com/office/drawing/2014/main" val="2510119324"/>
+                    </a:ext>
+                  </a:extLst>
+                </a:gridCol>
+                <a:gridCol w="2229642">
+                  <a:extLst>
+                    <a:ext uri="{9D8B030D-6E8A-4147-A177-3AD203B41FA5}">
+                      <a16:colId xmlns:a16="http://schemas.microsoft.com/office/drawing/2014/main" val="3066830093"/>
+                    </a:ext>
+                  </a:extLst>
+                </a:gridCol>
+                <a:gridCol w="2229642">
+                  <a:extLst>
+                    <a:ext uri="{9D8B030D-6E8A-4147-A177-3AD203B41FA5}">
+                      <a16:colId xmlns:a16="http://schemas.microsoft.com/office/drawing/2014/main" val="2070802007"/>
+                    </a:ext>
+                  </a:extLst>
+                </a:gridCol>
+              </a:tblGrid>
+              <a:tr h="471746">
+                <a:tc>
+                  <a:txBody>
+                    <a:bodyPr/>
+                    <a:lstStyle/>
+                    <a:p>
+                      <a:r>
+                        <a:rPr lang="en-US" altLang="zh-TW" dirty="0"/>
+                        <a:t>Model</a:t>
+                      </a:r>
+                      <a:endParaRPr lang="en-US" dirty="0"/>
+                    </a:p>
+                  </a:txBody>
+                  <a:tcPr/>
+                </a:tc>
+                <a:tc>
+                  <a:txBody>
+                    <a:bodyPr/>
+                    <a:lstStyle/>
+                    <a:p>
+                      <a:r>
+                        <a:rPr lang="en-US" altLang="zh-TW" dirty="0"/>
+                        <a:t>Accuracy</a:t>
+                      </a:r>
+                      <a:endParaRPr lang="en-US" dirty="0"/>
+                    </a:p>
+                  </a:txBody>
+                  <a:tcPr/>
+                </a:tc>
+                <a:tc>
+                  <a:txBody>
+                    <a:bodyPr/>
+                    <a:lstStyle/>
+                    <a:p>
+                      <a:r>
+                        <a:rPr lang="en-US" altLang="zh-TW" dirty="0"/>
+                        <a:t>Kappa</a:t>
+                      </a:r>
+                      <a:endParaRPr lang="en-US" dirty="0"/>
+                    </a:p>
+                  </a:txBody>
+                  <a:tcPr/>
+                </a:tc>
+                <a:tc>
+                  <a:txBody>
+                    <a:bodyPr/>
+                    <a:lstStyle/>
+                    <a:p>
+                      <a:r>
+                        <a:rPr lang="en-US" altLang="zh-TW" dirty="0"/>
+                        <a:t>AUC</a:t>
+                      </a:r>
+                      <a:endParaRPr lang="en-US" dirty="0"/>
+                    </a:p>
+                  </a:txBody>
+                  <a:tcPr/>
+                </a:tc>
+                <a:extLst>
+                  <a:ext uri="{0D108BD9-81ED-4DB2-BD59-A6C34878D82A}">
+                    <a16:rowId xmlns:a16="http://schemas.microsoft.com/office/drawing/2014/main" val="916272579"/>
+                  </a:ext>
+                </a:extLst>
+              </a:tr>
+              <a:tr h="471746">
+                <a:tc>
+                  <a:txBody>
+                    <a:bodyPr/>
+                    <a:lstStyle/>
+                    <a:p>
+                      <a:r>
+                        <a:rPr lang="en-US" altLang="zh-TW" dirty="0"/>
+                        <a:t>Logistic</a:t>
+                      </a:r>
+                      <a:r>
+                        <a:rPr lang="zh-TW" altLang="en-US" dirty="0"/>
+                        <a:t> </a:t>
+                      </a:r>
+                      <a:r>
+                        <a:rPr lang="en-US" altLang="zh-TW" dirty="0"/>
+                        <a:t>Regression</a:t>
+                      </a:r>
+                      <a:endParaRPr lang="en-US" dirty="0"/>
+                    </a:p>
+                  </a:txBody>
+                  <a:tcPr/>
+                </a:tc>
+                <a:tc>
+                  <a:txBody>
+                    <a:bodyPr/>
+                    <a:lstStyle/>
+                    <a:p>
+                      <a:r>
+                        <a:rPr lang="en-US" altLang="zh-TW" dirty="0"/>
+                        <a:t>0.7482</a:t>
+                      </a:r>
+                      <a:endParaRPr lang="en-US" dirty="0"/>
+                    </a:p>
+                  </a:txBody>
+                  <a:tcPr/>
+                </a:tc>
+                <a:tc>
+                  <a:txBody>
+                    <a:bodyPr/>
+                    <a:lstStyle/>
+                    <a:p>
+                      <a:r>
+                        <a:rPr lang="en-US" altLang="zh-TW" dirty="0"/>
+                        <a:t>0.375</a:t>
+                      </a:r>
+                      <a:endParaRPr lang="en-US" dirty="0"/>
+                    </a:p>
+                  </a:txBody>
+                  <a:tcPr/>
+                </a:tc>
+                <a:tc>
+                  <a:txBody>
+                    <a:bodyPr/>
+                    <a:lstStyle/>
+                    <a:p>
+                      <a:r>
+                        <a:rPr lang="en-US" altLang="zh-TW" dirty="0"/>
+                        <a:t>0.664</a:t>
+                      </a:r>
+                      <a:endParaRPr lang="en-US" dirty="0"/>
+                    </a:p>
+                  </a:txBody>
+                  <a:tcPr/>
+                </a:tc>
+                <a:extLst>
+                  <a:ext uri="{0D108BD9-81ED-4DB2-BD59-A6C34878D82A}">
+                    <a16:rowId xmlns:a16="http://schemas.microsoft.com/office/drawing/2014/main" val="2234108978"/>
+                  </a:ext>
+                </a:extLst>
+              </a:tr>
+              <a:tr h="471746">
+                <a:tc>
+                  <a:txBody>
+                    <a:bodyPr/>
+                    <a:lstStyle/>
+                    <a:p>
+                      <a:r>
+                        <a:rPr lang="en-US" altLang="zh-TW" dirty="0"/>
+                        <a:t>SVM</a:t>
+                      </a:r>
+                      <a:endParaRPr lang="en-US" dirty="0"/>
+                    </a:p>
+                  </a:txBody>
+                  <a:tcPr/>
+                </a:tc>
+                <a:tc>
+                  <a:txBody>
+                    <a:bodyPr/>
+                    <a:lstStyle/>
+                    <a:p>
+                      <a:r>
+                        <a:rPr lang="en-US" altLang="zh-TW" dirty="0"/>
+                        <a:t>0.748</a:t>
+                      </a:r>
+                      <a:endParaRPr lang="en-US" dirty="0"/>
+                    </a:p>
+                  </a:txBody>
+                  <a:tcPr/>
+                </a:tc>
+                <a:tc>
+                  <a:txBody>
+                    <a:bodyPr/>
+                    <a:lstStyle/>
+                    <a:p>
+                      <a:r>
+                        <a:rPr lang="en-US" altLang="zh-TW" dirty="0"/>
+                        <a:t>0.355</a:t>
+                      </a:r>
+                      <a:endParaRPr lang="en-US" dirty="0"/>
+                    </a:p>
+                  </a:txBody>
+                  <a:tcPr/>
+                </a:tc>
+                <a:tc>
+                  <a:txBody>
+                    <a:bodyPr/>
+                    <a:lstStyle/>
+                    <a:p>
+                      <a:r>
+                        <a:rPr lang="en-US" altLang="zh-TW" dirty="0"/>
+                        <a:t>0.650</a:t>
+                      </a:r>
+                      <a:endParaRPr lang="en-US" dirty="0"/>
+                    </a:p>
+                  </a:txBody>
+                  <a:tcPr/>
+                </a:tc>
+                <a:extLst>
+                  <a:ext uri="{0D108BD9-81ED-4DB2-BD59-A6C34878D82A}">
+                    <a16:rowId xmlns:a16="http://schemas.microsoft.com/office/drawing/2014/main" val="836089225"/>
+                  </a:ext>
+                </a:extLst>
+              </a:tr>
+              <a:tr h="471746">
+                <a:tc>
+                  <a:txBody>
+                    <a:bodyPr/>
+                    <a:lstStyle/>
+                    <a:p>
+                      <a:r>
+                        <a:rPr lang="en-US" altLang="zh-TW" dirty="0"/>
+                        <a:t>Random</a:t>
+                      </a:r>
+                      <a:r>
+                        <a:rPr lang="zh-TW" altLang="en-US" dirty="0"/>
+                        <a:t> </a:t>
+                      </a:r>
+                      <a:r>
+                        <a:rPr lang="en-US" altLang="zh-TW" dirty="0"/>
+                        <a:t>Forest</a:t>
+                      </a:r>
+                      <a:endParaRPr lang="en-US" dirty="0"/>
+                    </a:p>
+                  </a:txBody>
+                  <a:tcPr/>
+                </a:tc>
+                <a:tc>
+                  <a:txBody>
+                    <a:bodyPr/>
+                    <a:lstStyle/>
+                    <a:p>
+                      <a:r>
+                        <a:rPr lang="en-US" altLang="zh-TW" dirty="0"/>
+                        <a:t>0.749</a:t>
+                      </a:r>
+                      <a:endParaRPr lang="en-US" dirty="0"/>
+                    </a:p>
+                  </a:txBody>
+                  <a:tcPr/>
+                </a:tc>
+                <a:tc>
+                  <a:txBody>
+                    <a:bodyPr/>
+                    <a:lstStyle/>
+                    <a:p>
+                      <a:r>
+                        <a:rPr lang="en-US" altLang="zh-TW" dirty="0"/>
+                        <a:t>0.425</a:t>
+                      </a:r>
+                      <a:endParaRPr lang="en-US" dirty="0"/>
+                    </a:p>
+                  </a:txBody>
+                  <a:tcPr/>
+                </a:tc>
+                <a:tc>
+                  <a:txBody>
+                    <a:bodyPr/>
+                    <a:lstStyle/>
+                    <a:p>
+                      <a:r>
+                        <a:rPr lang="en-US" altLang="zh-TW" dirty="0"/>
+                        <a:t>0.701</a:t>
+                      </a:r>
+                      <a:endParaRPr lang="en-US" dirty="0"/>
+                    </a:p>
+                  </a:txBody>
+                  <a:tcPr/>
+                </a:tc>
+                <a:extLst>
+                  <a:ext uri="{0D108BD9-81ED-4DB2-BD59-A6C34878D82A}">
+                    <a16:rowId xmlns:a16="http://schemas.microsoft.com/office/drawing/2014/main" val="2809071303"/>
+                  </a:ext>
+                </a:extLst>
+              </a:tr>
+              <a:tr h="471746">
+                <a:tc>
+                  <a:txBody>
+                    <a:bodyPr/>
+                    <a:lstStyle/>
+                    <a:p>
+                      <a:r>
+                        <a:rPr lang="en-US" altLang="zh-TW" dirty="0" err="1"/>
+                        <a:t>XGBoost</a:t>
+                      </a:r>
+                      <a:endParaRPr lang="en-US" dirty="0"/>
+                    </a:p>
+                  </a:txBody>
+                  <a:tcPr>
+                    <a:solidFill>
+                      <a:srgbClr val="FFCCCF"/>
+                    </a:solidFill>
+                  </a:tcPr>
+                </a:tc>
+                <a:tc>
+                  <a:txBody>
+                    <a:bodyPr/>
+                    <a:lstStyle/>
+                    <a:p>
+                      <a:r>
+                        <a:rPr lang="en-US" altLang="zh-TW" dirty="0"/>
+                        <a:t>0.764</a:t>
+                      </a:r>
+                      <a:endParaRPr lang="en-US" dirty="0"/>
+                    </a:p>
+                  </a:txBody>
+                  <a:tcPr>
+                    <a:solidFill>
+                      <a:srgbClr val="FFCCCF"/>
+                    </a:solidFill>
+                  </a:tcPr>
+                </a:tc>
+                <a:tc>
+                  <a:txBody>
+                    <a:bodyPr/>
+                    <a:lstStyle/>
+                    <a:p>
+                      <a:r>
+                        <a:rPr lang="en-US" altLang="zh-TW" dirty="0"/>
+                        <a:t>0.448</a:t>
+                      </a:r>
+                      <a:endParaRPr lang="en-US" dirty="0"/>
+                    </a:p>
+                  </a:txBody>
+                  <a:tcPr>
+                    <a:solidFill>
+                      <a:srgbClr val="FFCCCF"/>
+                    </a:solidFill>
+                  </a:tcPr>
+                </a:tc>
+                <a:tc>
+                  <a:txBody>
+                    <a:bodyPr/>
+                    <a:lstStyle/>
+                    <a:p>
+                      <a:r>
+                        <a:rPr lang="en-US" altLang="zh-TW" dirty="0"/>
+                        <a:t>0.708</a:t>
+                      </a:r>
+                      <a:endParaRPr lang="en-US" dirty="0"/>
+                    </a:p>
+                  </a:txBody>
+                  <a:tcPr>
+                    <a:solidFill>
+                      <a:srgbClr val="FFCCCF"/>
+                    </a:solidFill>
+                  </a:tcPr>
+                </a:tc>
+                <a:extLst>
+                  <a:ext uri="{0D108BD9-81ED-4DB2-BD59-A6C34878D82A}">
+                    <a16:rowId xmlns:a16="http://schemas.microsoft.com/office/drawing/2014/main" val="3376547446"/>
+                  </a:ext>
+                </a:extLst>
+              </a:tr>
+            </a:tbl>
+          </a:graphicData>
+        </a:graphic>
+      </p:graphicFrame>
+    </p:spTree>
+    <p:extLst>
+      <p:ext uri="{BB962C8B-B14F-4D97-AF65-F5344CB8AC3E}">
+        <p14:creationId xmlns:p14="http://schemas.microsoft.com/office/powerpoint/2010/main" val="3206007727"/>
+      </p:ext>
+    </p:extLst>
+  </p:cSld>
+  <p:clrMapOvr>
+    <a:masterClrMapping/>
+  </p:clrMapOvr>
+</p:sld>
+</file>
+
+<file path=ppt/slides/slide21.xml><?xml version="1.0" encoding="utf-8"?>
+<p:sld xmlns:a="http://schemas.openxmlformats.org/drawingml/2006/main" xmlns:r="http://schemas.openxmlformats.org/officeDocument/2006/relationships" xmlns:p="http://schemas.openxmlformats.org/presentationml/2006/main">
+  <p:cSld>
+    <p:spTree>
+      <p:nvGrpSpPr>
+        <p:cNvPr id="1" name=""/>
+        <p:cNvGrpSpPr/>
+        <p:nvPr/>
+      </p:nvGrpSpPr>
+      <p:grpSpPr>
+        <a:xfrm>
+          <a:off x="0" y="0"/>
+          <a:ext cx="0" cy="0"/>
+          <a:chOff x="0" y="0"/>
+          <a:chExt cx="0" cy="0"/>
+        </a:xfrm>
+      </p:grpSpPr>
+      <p:sp>
+        <p:nvSpPr>
+          <p:cNvPr id="2" name="Title 1">
+            <a:extLst>
+              <a:ext uri="{FF2B5EF4-FFF2-40B4-BE49-F238E27FC236}">
+                <a16:creationId xmlns:a16="http://schemas.microsoft.com/office/drawing/2014/main" id="{7668D1EE-1AED-B506-71F8-1AA6AC1EFA9A}"/>
+              </a:ext>
+            </a:extLst>
+          </p:cNvPr>
+          <p:cNvSpPr>
+            <a:spLocks noGrp="1"/>
+          </p:cNvSpPr>
+          <p:nvPr>
+            <p:ph type="title"/>
+          </p:nvPr>
+        </p:nvSpPr>
+        <p:spPr/>
+        <p:txBody>
+          <a:bodyPr/>
+          <a:lstStyle/>
+          <a:p>
+            <a:r>
+              <a:rPr lang="en-US" altLang="zh-TW" dirty="0"/>
+              <a:t>Dashboard</a:t>
+            </a:r>
+            <a:r>
+              <a:rPr lang="zh-TW" altLang="en-US" dirty="0"/>
+              <a:t> </a:t>
+            </a:r>
+            <a:r>
+              <a:rPr lang="en-US" altLang="zh-TW" dirty="0"/>
+              <a:t>&amp;</a:t>
+            </a:r>
+            <a:r>
+              <a:rPr lang="zh-TW" altLang="en-US" dirty="0"/>
+              <a:t> </a:t>
+            </a:r>
+            <a:r>
+              <a:rPr lang="en-US" altLang="zh-TW" dirty="0"/>
+              <a:t>Code</a:t>
+            </a:r>
+            <a:endParaRPr lang="en-US" dirty="0"/>
+          </a:p>
+        </p:txBody>
+      </p:sp>
+      <p:sp>
+        <p:nvSpPr>
+          <p:cNvPr id="3" name="Content Placeholder 2">
+            <a:extLst>
+              <a:ext uri="{FF2B5EF4-FFF2-40B4-BE49-F238E27FC236}">
+                <a16:creationId xmlns:a16="http://schemas.microsoft.com/office/drawing/2014/main" id="{22DCE2D8-B593-353B-0045-9AFF23A8ECA6}"/>
+              </a:ext>
+            </a:extLst>
+          </p:cNvPr>
+          <p:cNvSpPr>
+            <a:spLocks noGrp="1"/>
+          </p:cNvSpPr>
+          <p:nvPr>
+            <p:ph idx="1"/>
+          </p:nvPr>
+        </p:nvSpPr>
+        <p:spPr/>
+        <p:txBody>
+          <a:bodyPr/>
+          <a:lstStyle/>
+          <a:p>
+            <a:pPr>
+              <a:lnSpc>
+                <a:spcPct val="150000"/>
+              </a:lnSpc>
+            </a:pPr>
+            <a:r>
+              <a:rPr lang="en-US" altLang="zh-TW" dirty="0">
+                <a:hlinkClick r:id="rId2"/>
+              </a:rPr>
+              <a:t>Cancellation</a:t>
+            </a:r>
+            <a:r>
+              <a:rPr lang="zh-TW" altLang="en-US" dirty="0">
+                <a:hlinkClick r:id="rId2"/>
+              </a:rPr>
+              <a:t> </a:t>
+            </a:r>
+            <a:r>
+              <a:rPr lang="en-US" altLang="zh-TW" dirty="0">
+                <a:hlinkClick r:id="rId2"/>
+              </a:rPr>
+              <a:t>Analysis</a:t>
+            </a:r>
+            <a:endParaRPr lang="en-US" altLang="zh-TW" dirty="0"/>
+          </a:p>
+          <a:p>
+            <a:pPr>
+              <a:lnSpc>
+                <a:spcPct val="150000"/>
+              </a:lnSpc>
+            </a:pPr>
+            <a:r>
+              <a:rPr lang="en-US" altLang="zh-TW" dirty="0">
+                <a:hlinkClick r:id="rId3"/>
+              </a:rPr>
+              <a:t>Segmentation</a:t>
+            </a:r>
+            <a:r>
+              <a:rPr lang="zh-TW" altLang="en-US" dirty="0">
+                <a:hlinkClick r:id="rId3"/>
+              </a:rPr>
+              <a:t> </a:t>
+            </a:r>
+            <a:r>
+              <a:rPr lang="en-US" altLang="zh-TW" dirty="0">
+                <a:hlinkClick r:id="rId3"/>
+              </a:rPr>
+              <a:t>Analysis</a:t>
+            </a:r>
+            <a:endParaRPr lang="en-US" altLang="zh-TW" dirty="0"/>
+          </a:p>
+          <a:p>
+            <a:pPr>
+              <a:lnSpc>
+                <a:spcPct val="150000"/>
+              </a:lnSpc>
+            </a:pPr>
+            <a:r>
+              <a:rPr lang="en-US" altLang="zh-TW" dirty="0">
+                <a:hlinkClick r:id="rId4"/>
+              </a:rPr>
+              <a:t>ML</a:t>
+            </a:r>
+            <a:r>
+              <a:rPr lang="zh-TW" altLang="en-US" dirty="0">
+                <a:hlinkClick r:id="rId4"/>
+              </a:rPr>
+              <a:t> </a:t>
+            </a:r>
+            <a:r>
+              <a:rPr lang="en-US" altLang="zh-TW" dirty="0">
+                <a:hlinkClick r:id="rId4"/>
+              </a:rPr>
+              <a:t>Code</a:t>
+            </a:r>
+            <a:endParaRPr lang="en-US" dirty="0"/>
+          </a:p>
+        </p:txBody>
+      </p:sp>
+    </p:spTree>
+    <p:extLst>
+      <p:ext uri="{BB962C8B-B14F-4D97-AF65-F5344CB8AC3E}">
+        <p14:creationId xmlns:p14="http://schemas.microsoft.com/office/powerpoint/2010/main" val="1967152218"/>
       </p:ext>
     </p:extLst>
   </p:cSld>
@@ -5601,7 +8717,7 @@
           </p:nvPr>
         </p:nvPicPr>
         <p:blipFill>
-          <a:blip r:embed="rId2">
+          <a:blip r:embed="rId3">
             <a:extLst>
               <a:ext uri="{28A0092B-C50C-407E-A947-70E740481C1C}">
                 <a14:useLocalDpi xmlns:a14="http://schemas.microsoft.com/office/drawing/2010/main" val="0"/>
@@ -6123,7 +9239,7 @@
         <p:spPr/>
         <p:txBody>
           <a:bodyPr>
-            <a:normAutofit lnSpcReduction="10000"/>
+            <a:noAutofit/>
           </a:bodyPr>
           <a:lstStyle/>
           <a:p>
@@ -6133,10 +9249,69 @@
               </a:lnSpc>
             </a:pPr>
             <a:r>
-              <a:rPr lang="en-US" dirty="0" err="1"/>
-              <a:t>國家</a:t>
-            </a:r>
-            <a:endParaRPr lang="en-US" dirty="0"/>
+              <a:rPr lang="en-US" sz="2400" dirty="0">
+                <a:latin typeface="+mn-ea"/>
+              </a:rPr>
+              <a:t>國家：</a:t>
+            </a:r>
+            <a:r>
+              <a:rPr lang="en-US" altLang="zh-TW" sz="2400" dirty="0">
+                <a:latin typeface="+mn-ea"/>
+              </a:rPr>
+              <a:t>109</a:t>
+            </a:r>
+            <a:r>
+              <a:rPr lang="zh-TW" altLang="en-US" sz="2400" dirty="0">
+                <a:latin typeface="+mn-ea"/>
+              </a:rPr>
+              <a:t>個國家</a:t>
+            </a:r>
+            <a:endParaRPr lang="en-US" sz="2400" dirty="0">
+              <a:latin typeface="+mn-ea"/>
+            </a:endParaRPr>
+          </a:p>
+          <a:p>
+            <a:pPr marL="228600" lvl="1">
+              <a:lnSpc>
+                <a:spcPct val="150000"/>
+              </a:lnSpc>
+              <a:spcBef>
+                <a:spcPts val="1000"/>
+              </a:spcBef>
+            </a:pPr>
+            <a:r>
+              <a:rPr lang="en-US" dirty="0" err="1">
+                <a:latin typeface="+mn-ea"/>
+              </a:rPr>
+              <a:t>訂房渠道</a:t>
+            </a:r>
+            <a:r>
+              <a:rPr lang="zh-TW" altLang="en-US" sz="2400" dirty="0">
+                <a:latin typeface="+mn-ea"/>
+              </a:rPr>
+              <a:t>：</a:t>
+            </a:r>
+            <a:r>
+              <a:rPr lang="zh-TW" altLang="en-US" dirty="0">
+                <a:latin typeface="+mn-ea"/>
+              </a:rPr>
+              <a:t>企業訂房、直接訂房、全球分銷系統、旅行社 </a:t>
+            </a:r>
+            <a:r>
+              <a:rPr lang="en-US" altLang="zh-TW" dirty="0">
+                <a:latin typeface="+mn-ea"/>
+              </a:rPr>
+              <a:t>/ </a:t>
+            </a:r>
+            <a:r>
+              <a:rPr lang="zh-TW" altLang="en-US" dirty="0">
+                <a:latin typeface="+mn-ea"/>
+              </a:rPr>
+              <a:t>旅遊代理</a:t>
+            </a:r>
+            <a:endParaRPr lang="en-US" dirty="0">
+              <a:latin typeface="+mn-ea"/>
+            </a:endParaRPr>
           </a:p>
           <a:p>
             <a:pPr>
@@ -6145,10 +9320,20 @@
               </a:lnSpc>
             </a:pPr>
             <a:r>
-              <a:rPr lang="en-US" dirty="0" err="1"/>
-              <a:t>訂房渠道</a:t>
-            </a:r>
-            <a:endParaRPr lang="en-US" dirty="0"/>
+              <a:rPr lang="en-US" sz="2400" dirty="0" err="1">
+                <a:latin typeface="+mn-ea"/>
+              </a:rPr>
+              <a:t>客戶類型</a:t>
+            </a:r>
+            <a:r>
+              <a:rPr lang="zh-TW" altLang="en-US" sz="2400" dirty="0">
+                <a:latin typeface="+mn-ea"/>
+              </a:rPr>
+              <a:t>：合約客戶、團體客、散客、散客團體</a:t>
+            </a:r>
+            <a:endParaRPr lang="en-US" sz="2400" dirty="0">
+              <a:latin typeface="+mn-ea"/>
+            </a:endParaRPr>
           </a:p>
           <a:p>
             <a:pPr>
@@ -6157,10 +9342,20 @@
               </a:lnSpc>
             </a:pPr>
             <a:r>
-              <a:rPr lang="en-US" dirty="0" err="1"/>
-              <a:t>客戶類型</a:t>
-            </a:r>
-            <a:endParaRPr lang="en-US" dirty="0"/>
+              <a:rPr lang="en-US" sz="2400" dirty="0" err="1">
+                <a:latin typeface="+mn-ea"/>
+              </a:rPr>
+              <a:t>訂金策略</a:t>
+            </a:r>
+            <a:r>
+              <a:rPr lang="zh-TW" altLang="en-US" sz="2400" dirty="0">
+                <a:latin typeface="+mn-ea"/>
+              </a:rPr>
+              <a:t>：無訂金、不可退訂金、可退訂金</a:t>
+            </a:r>
+            <a:endParaRPr lang="en-US" sz="2400" dirty="0">
+              <a:latin typeface="+mn-ea"/>
+            </a:endParaRPr>
           </a:p>
           <a:p>
             <a:pPr>
@@ -6169,10 +9364,20 @@
               </a:lnSpc>
             </a:pPr>
             <a:r>
-              <a:rPr lang="en-US" dirty="0" err="1"/>
-              <a:t>訂金策略</a:t>
-            </a:r>
-            <a:endParaRPr lang="en-US" dirty="0"/>
+              <a:rPr lang="en-US" sz="2400" dirty="0" err="1">
+                <a:latin typeface="+mn-ea"/>
+              </a:rPr>
+              <a:t>回頭客</a:t>
+            </a:r>
+            <a:r>
+              <a:rPr lang="zh-TW" altLang="en-US" sz="2400" dirty="0">
+                <a:latin typeface="+mn-ea"/>
+              </a:rPr>
+              <a:t>：新客、回頭客</a:t>
+            </a:r>
+            <a:endParaRPr lang="en-US" sz="2400" dirty="0">
+              <a:latin typeface="+mn-ea"/>
+            </a:endParaRPr>
           </a:p>
           <a:p>
             <a:pPr>
@@ -6181,26 +9386,20 @@
               </a:lnSpc>
             </a:pPr>
             <a:r>
-              <a:rPr lang="en-US" dirty="0" err="1"/>
-              <a:t>回頭客</a:t>
-            </a:r>
-            <a:endParaRPr lang="en-US" dirty="0"/>
-          </a:p>
-          <a:p>
-            <a:pPr>
-              <a:lnSpc>
-                <a:spcPct val="150000"/>
-              </a:lnSpc>
-            </a:pPr>
-            <a:r>
-              <a:rPr lang="en-US" altLang="zh-TW" dirty="0"/>
+              <a:rPr lang="en-US" altLang="zh-TW" sz="2400" dirty="0">
+                <a:latin typeface="+mn-ea"/>
+              </a:rPr>
               <a:t>Python</a:t>
             </a:r>
             <a:r>
-              <a:rPr lang="zh-TW" altLang="en-US" dirty="0"/>
-              <a:t>分群</a:t>
-            </a:r>
-            <a:endParaRPr lang="en-US" dirty="0"/>
+              <a:rPr lang="zh-TW" altLang="en-US" sz="2400" dirty="0">
+                <a:latin typeface="+mn-ea"/>
+              </a:rPr>
+              <a:t>分群：商務短住、家庭旅遊、高價常住、週末短住</a:t>
+            </a:r>
+            <a:endParaRPr lang="en-US" sz="2400" dirty="0">
+              <a:latin typeface="+mn-ea"/>
+            </a:endParaRPr>
           </a:p>
         </p:txBody>
       </p:sp>
@@ -6510,4 +9709,299 @@
     </a:ext>
   </a:extLst>
 </a:theme>
+</file>
+
+<file path=ppt/theme/theme2.xml><?xml version="1.0" encoding="utf-8"?>
+<a:theme xmlns:a="http://schemas.openxmlformats.org/drawingml/2006/main" name="Office Theme">
+  <a:themeElements>
+    <a:clrScheme name="Office">
+      <a:dk1>
+        <a:sysClr val="windowText" lastClr="000000"/>
+      </a:dk1>
+      <a:lt1>
+        <a:sysClr val="window" lastClr="FFFFFF"/>
+      </a:lt1>
+      <a:dk2>
+        <a:srgbClr val="44546A"/>
+      </a:dk2>
+      <a:lt2>
+        <a:srgbClr val="E7E6E6"/>
+      </a:lt2>
+      <a:accent1>
+        <a:srgbClr val="4472C4"/>
+      </a:accent1>
+      <a:accent2>
+        <a:srgbClr val="ED7D31"/>
+      </a:accent2>
+      <a:accent3>
+        <a:srgbClr val="A5A5A5"/>
+      </a:accent3>
+      <a:accent4>
+        <a:srgbClr val="FFC000"/>
+      </a:accent4>
+      <a:accent5>
+        <a:srgbClr val="5B9BD5"/>
+      </a:accent5>
+      <a:accent6>
+        <a:srgbClr val="70AD47"/>
+      </a:accent6>
+      <a:hlink>
+        <a:srgbClr val="0563C1"/>
+      </a:hlink>
+      <a:folHlink>
+        <a:srgbClr val="954F72"/>
+      </a:folHlink>
+    </a:clrScheme>
+    <a:fontScheme name="Office">
+      <a:majorFont>
+        <a:latin typeface="Calibri Light" panose="020F0302020204030204"/>
+        <a:ea typeface=""/>
+        <a:cs typeface=""/>
+        <a:font script="Jpan" typeface="游ゴシック Light"/>
+        <a:font script="Hang" typeface="맑은 고딕"/>
+        <a:font script="Hans" typeface="等线 Light"/>
+        <a:font script="Hant" typeface="新細明體"/>
+        <a:font script="Arab" typeface="Times New Roman"/>
+        <a:font script="Hebr" typeface="Times New Roman"/>
+        <a:font script="Thai" typeface="Angsana New"/>
+        <a:font script="Ethi" typeface="Nyala"/>
+        <a:font script="Beng" typeface="Vrinda"/>
+        <a:font script="Gujr" typeface="Shruti"/>
+        <a:font script="Khmr" typeface="MoolBoran"/>
+        <a:font script="Knda" typeface="Tunga"/>
+        <a:font script="Guru" typeface="Raavi"/>
+        <a:font script="Cans" typeface="Euphemia"/>
+        <a:font script="Cher" typeface="Plantagenet Cherokee"/>
+        <a:font script="Yiii" typeface="Microsoft Yi Baiti"/>
+        <a:font script="Tibt" typeface="Microsoft Himalaya"/>
+        <a:font script="Thaa" typeface="MV Boli"/>
+        <a:font script="Deva" typeface="Mangal"/>
+        <a:font script="Telu" typeface="Gautami"/>
+        <a:font script="Taml" typeface="Latha"/>
+        <a:font script="Syrc" typeface="Estrangelo Edessa"/>
+        <a:font script="Orya" typeface="Kalinga"/>
+        <a:font script="Mlym" typeface="Kartika"/>
+        <a:font script="Laoo" typeface="DokChampa"/>
+        <a:font script="Sinh" typeface="Iskoola Pota"/>
+        <a:font script="Mong" typeface="Mongolian Baiti"/>
+        <a:font script="Viet" typeface="Times New Roman"/>
+        <a:font script="Uigh" typeface="Microsoft Uighur"/>
+        <a:font script="Geor" typeface="Sylfaen"/>
+        <a:font script="Armn" typeface="Arial"/>
+        <a:font script="Bugi" typeface="Leelawadee UI"/>
+        <a:font script="Bopo" typeface="Microsoft JhengHei"/>
+        <a:font script="Java" typeface="Javanese Text"/>
+        <a:font script="Lisu" typeface="Segoe UI"/>
+        <a:font script="Mymr" typeface="Myanmar Text"/>
+        <a:font script="Nkoo" typeface="Ebrima"/>
+        <a:font script="Olck" typeface="Nirmala UI"/>
+        <a:font script="Osma" typeface="Ebrima"/>
+        <a:font script="Phag" typeface="Phagspa"/>
+        <a:font script="Syrn" typeface="Estrangelo Edessa"/>
+        <a:font script="Syrj" typeface="Estrangelo Edessa"/>
+        <a:font script="Syre" typeface="Estrangelo Edessa"/>
+        <a:font script="Sora" typeface="Nirmala UI"/>
+        <a:font script="Tale" typeface="Microsoft Tai Le"/>
+        <a:font script="Talu" typeface="Microsoft New Tai Lue"/>
+        <a:font script="Tfng" typeface="Ebrima"/>
+      </a:majorFont>
+      <a:minorFont>
+        <a:latin typeface="Calibri" panose="020F0502020204030204"/>
+        <a:ea typeface=""/>
+        <a:cs typeface=""/>
+        <a:font script="Jpan" typeface="游ゴシック"/>
+        <a:font script="Hang" typeface="맑은 고딕"/>
+        <a:font script="Hans" typeface="等线"/>
+        <a:font script="Hant" typeface="新細明體"/>
+        <a:font script="Arab" typeface="Arial"/>
+        <a:font script="Hebr" typeface="Arial"/>
+        <a:font script="Thai" typeface="Cordia New"/>
+        <a:font script="Ethi" typeface="Nyala"/>
+        <a:font script="Beng" typeface="Vrinda"/>
+        <a:font script="Gujr" typeface="Shruti"/>
+        <a:font script="Khmr" typeface="DaunPenh"/>
+        <a:font script="Knda" typeface="Tunga"/>
+        <a:font script="Guru" typeface="Raavi"/>
+        <a:font script="Cans" typeface="Euphemia"/>
+        <a:font script="Cher" typeface="Plantagenet Cherokee"/>
+        <a:font script="Yiii" typeface="Microsoft Yi Baiti"/>
+        <a:font script="Tibt" typeface="Microsoft Himalaya"/>
+        <a:font script="Thaa" typeface="MV Boli"/>
+        <a:font script="Deva" typeface="Mangal"/>
+        <a:font script="Telu" typeface="Gautami"/>
+        <a:font script="Taml" typeface="Latha"/>
+        <a:font script="Syrc" typeface="Estrangelo Edessa"/>
+        <a:font script="Orya" typeface="Kalinga"/>
+        <a:font script="Mlym" typeface="Kartika"/>
+        <a:font script="Laoo" typeface="DokChampa"/>
+        <a:font script="Sinh" typeface="Iskoola Pota"/>
+        <a:font script="Mong" typeface="Mongolian Baiti"/>
+        <a:font script="Viet" typeface="Arial"/>
+        <a:font script="Uigh" typeface="Microsoft Uighur"/>
+        <a:font script="Geor" typeface="Sylfaen"/>
+        <a:font script="Armn" typeface="Arial"/>
+        <a:font script="Bugi" typeface="Leelawadee UI"/>
+        <a:font script="Bopo" typeface="Microsoft JhengHei"/>
+        <a:font script="Java" typeface="Javanese Text"/>
+        <a:font script="Lisu" typeface="Segoe UI"/>
+        <a:font script="Mymr" typeface="Myanmar Text"/>
+        <a:font script="Nkoo" typeface="Ebrima"/>
+        <a:font script="Olck" typeface="Nirmala UI"/>
+        <a:font script="Osma" typeface="Ebrima"/>
+        <a:font script="Phag" typeface="Phagspa"/>
+        <a:font script="Syrn" typeface="Estrangelo Edessa"/>
+        <a:font script="Syrj" typeface="Estrangelo Edessa"/>
+        <a:font script="Syre" typeface="Estrangelo Edessa"/>
+        <a:font script="Sora" typeface="Nirmala UI"/>
+        <a:font script="Tale" typeface="Microsoft Tai Le"/>
+        <a:font script="Talu" typeface="Microsoft New Tai Lue"/>
+        <a:font script="Tfng" typeface="Ebrima"/>
+      </a:minorFont>
+    </a:fontScheme>
+    <a:fmtScheme name="Office">
+      <a:fillStyleLst>
+        <a:solidFill>
+          <a:schemeClr val="phClr"/>
+        </a:solidFill>
+        <a:gradFill rotWithShape="1">
+          <a:gsLst>
+            <a:gs pos="0">
+              <a:schemeClr val="phClr">
+                <a:lumMod val="110000"/>
+                <a:satMod val="105000"/>
+                <a:tint val="67000"/>
+              </a:schemeClr>
+            </a:gs>
+            <a:gs pos="50000">
+              <a:schemeClr val="phClr">
+                <a:lumMod val="105000"/>
+                <a:satMod val="103000"/>
+                <a:tint val="73000"/>
+              </a:schemeClr>
+            </a:gs>
+            <a:gs pos="100000">
+              <a:schemeClr val="phClr">
+                <a:lumMod val="105000"/>
+                <a:satMod val="109000"/>
+                <a:tint val="81000"/>
+              </a:schemeClr>
+            </a:gs>
+          </a:gsLst>
+          <a:lin ang="5400000" scaled="0"/>
+        </a:gradFill>
+        <a:gradFill rotWithShape="1">
+          <a:gsLst>
+            <a:gs pos="0">
+              <a:schemeClr val="phClr">
+                <a:satMod val="103000"/>
+                <a:lumMod val="102000"/>
+                <a:tint val="94000"/>
+              </a:schemeClr>
+            </a:gs>
+            <a:gs pos="50000">
+              <a:schemeClr val="phClr">
+                <a:satMod val="110000"/>
+                <a:lumMod val="100000"/>
+                <a:shade val="100000"/>
+              </a:schemeClr>
+            </a:gs>
+            <a:gs pos="100000">
+              <a:schemeClr val="phClr">
+                <a:lumMod val="99000"/>
+                <a:satMod val="120000"/>
+                <a:shade val="78000"/>
+              </a:schemeClr>
+            </a:gs>
+          </a:gsLst>
+          <a:lin ang="5400000" scaled="0"/>
+        </a:gradFill>
+      </a:fillStyleLst>
+      <a:lnStyleLst>
+        <a:ln w="6350" cap="flat" cmpd="sng" algn="ctr">
+          <a:solidFill>
+            <a:schemeClr val="phClr"/>
+          </a:solidFill>
+          <a:prstDash val="solid"/>
+          <a:miter lim="800000"/>
+        </a:ln>
+        <a:ln w="12700" cap="flat" cmpd="sng" algn="ctr">
+          <a:solidFill>
+            <a:schemeClr val="phClr"/>
+          </a:solidFill>
+          <a:prstDash val="solid"/>
+          <a:miter lim="800000"/>
+        </a:ln>
+        <a:ln w="19050" cap="flat" cmpd="sng" algn="ctr">
+          <a:solidFill>
+            <a:schemeClr val="phClr"/>
+          </a:solidFill>
+          <a:prstDash val="solid"/>
+          <a:miter lim="800000"/>
+        </a:ln>
+      </a:lnStyleLst>
+      <a:effectStyleLst>
+        <a:effectStyle>
+          <a:effectLst/>
+        </a:effectStyle>
+        <a:effectStyle>
+          <a:effectLst/>
+        </a:effectStyle>
+        <a:effectStyle>
+          <a:effectLst>
+            <a:outerShdw blurRad="57150" dist="19050" dir="5400000" algn="ctr" rotWithShape="0">
+              <a:srgbClr val="000000">
+                <a:alpha val="63000"/>
+              </a:srgbClr>
+            </a:outerShdw>
+          </a:effectLst>
+        </a:effectStyle>
+      </a:effectStyleLst>
+      <a:bgFillStyleLst>
+        <a:solidFill>
+          <a:schemeClr val="phClr"/>
+        </a:solidFill>
+        <a:solidFill>
+          <a:schemeClr val="phClr">
+            <a:tint val="95000"/>
+            <a:satMod val="170000"/>
+          </a:schemeClr>
+        </a:solidFill>
+        <a:gradFill rotWithShape="1">
+          <a:gsLst>
+            <a:gs pos="0">
+              <a:schemeClr val="phClr">
+                <a:tint val="93000"/>
+                <a:satMod val="150000"/>
+                <a:shade val="98000"/>
+                <a:lumMod val="102000"/>
+              </a:schemeClr>
+            </a:gs>
+            <a:gs pos="50000">
+              <a:schemeClr val="phClr">
+                <a:tint val="98000"/>
+                <a:satMod val="130000"/>
+                <a:shade val="90000"/>
+                <a:lumMod val="103000"/>
+              </a:schemeClr>
+            </a:gs>
+            <a:gs pos="100000">
+              <a:schemeClr val="phClr">
+                <a:shade val="63000"/>
+                <a:satMod val="120000"/>
+              </a:schemeClr>
+            </a:gs>
+          </a:gsLst>
+          <a:lin ang="5400000" scaled="0"/>
+        </a:gradFill>
+      </a:bgFillStyleLst>
+    </a:fmtScheme>
+  </a:themeElements>
+  <a:objectDefaults/>
+  <a:extraClrSchemeLst/>
+  <a:extLst>
+    <a:ext uri="{05A4C25C-085E-4340-85A3-A5531E510DB2}">
+      <thm15:themeFamily xmlns:thm15="http://schemas.microsoft.com/office/thememl/2012/main" name="Office Theme" id="{62F939B6-93AF-4DB8-9C6B-D6C7DFDC589F}" vid="{4A3C46E8-61CC-4603-A589-7422A47A8E4A}"/>
+    </a:ext>
+  </a:extLst>
+</a:theme>
 </file>